--- a/Articles/Test_system.pptx
+++ b/Articles/Test_system.pptx
@@ -8,17 +8,9 @@
     <p:sldMasterId id="2147483654" r:id="rId5"/>
     <p:sldMasterId id="2147483656" r:id="rId6"/>
     <p:sldMasterId id="2147483658" r:id="rId7"/>
-    <p:sldMasterId id="2147483660" r:id="rId8"/>
-    <p:sldMasterId id="2147483661" r:id="rId9"/>
-    <p:sldMasterId id="2147483662" r:id="rId10"/>
-    <p:sldMasterId id="2147483663" r:id="rId11"/>
-    <p:sldMasterId id="2147483664" r:id="rId12"/>
-    <p:sldMasterId id="2147483665" r:id="rId13"/>
-    <p:sldMasterId id="2147483666" r:id="rId14"/>
-    <p:sldMasterId id="2147483667" r:id="rId15"/>
   </p:sldMasterIdLst>
   <p:sldIdLst>
-    <p:sldId id="256" r:id="rId16"/>
+    <p:sldId id="256" r:id="rId8"/>
   </p:sldIdLst>
   <p:sldSz cx="13004800" cy="9753600"/>
   <p:notesSz cx="7559675" cy="10691813"/>
@@ -55,7 +47,7 @@
         <p:spPr>
           <a:xfrm>
             <a:off x="650160" y="389160"/>
-            <a:ext cx="11702520" cy="1627200"/>
+            <a:ext cx="11702160" cy="1626840"/>
           </a:xfrm>
           <a:prstGeom prst="rect">
             <a:avLst/>
@@ -95,7 +87,7 @@
         <p:spPr>
           <a:xfrm>
             <a:off x="650160" y="2282040"/>
-            <a:ext cx="11702520" cy="5655240"/>
+            <a:ext cx="11702160" cy="5654880"/>
           </a:xfrm>
           <a:prstGeom prst="rect">
             <a:avLst/>
@@ -139,7 +131,7 @@
         <p:txBody>
           <a:bodyPr/>
           <a:p>
-            <a:fld id="{1BB9B854-DA39-4EDC-8A95-AD2424DAEB67}" type="slidenum">
+            <a:fld id="{347CE73C-0560-48E1-8C40-EE3C823E0DBB}" type="slidenum">
               <a:t>&lt;#&gt;</a:t>
             </a:fld>
           </a:p>
@@ -180,7 +172,7 @@
         <p:spPr>
           <a:xfrm>
             <a:off x="650160" y="389160"/>
-            <a:ext cx="11702520" cy="1627200"/>
+            <a:ext cx="11702160" cy="1626840"/>
           </a:xfrm>
           <a:prstGeom prst="rect">
             <a:avLst/>
@@ -220,7 +212,7 @@
         <p:spPr>
           <a:xfrm>
             <a:off x="650160" y="2282040"/>
-            <a:ext cx="11702520" cy="5655240"/>
+            <a:ext cx="11702160" cy="5654880"/>
           </a:xfrm>
           <a:prstGeom prst="rect">
             <a:avLst/>
@@ -264,7 +256,7 @@
         <p:txBody>
           <a:bodyPr/>
           <a:p>
-            <a:fld id="{0E0AA5B9-1BE4-4D5D-8B57-B59AB60C5559}" type="slidenum">
+            <a:fld id="{AB56BFBA-9948-4307-8284-514CE28E4F24}" type="slidenum">
               <a:t>&lt;#&gt;</a:t>
             </a:fld>
           </a:p>
@@ -305,7 +297,7 @@
         <p:spPr>
           <a:xfrm>
             <a:off x="650160" y="389160"/>
-            <a:ext cx="11702520" cy="1627200"/>
+            <a:ext cx="11702160" cy="1626840"/>
           </a:xfrm>
           <a:prstGeom prst="rect">
             <a:avLst/>
@@ -345,7 +337,7 @@
         <p:spPr>
           <a:xfrm>
             <a:off x="650160" y="2282040"/>
-            <a:ext cx="11702520" cy="5655240"/>
+            <a:ext cx="11702160" cy="5654880"/>
           </a:xfrm>
           <a:prstGeom prst="rect">
             <a:avLst/>
@@ -389,7 +381,7 @@
         <p:txBody>
           <a:bodyPr/>
           <a:p>
-            <a:fld id="{3275126D-30EE-43C6-9BD9-F209F2D2A1A6}" type="slidenum">
+            <a:fld id="{579F9782-3860-46AB-8FEC-D7B233FE6B7D}" type="slidenum">
               <a:t>&lt;#&gt;</a:t>
             </a:fld>
           </a:p>
@@ -430,7 +422,7 @@
         <p:spPr>
           <a:xfrm>
             <a:off x="650160" y="389160"/>
-            <a:ext cx="11702520" cy="1627200"/>
+            <a:ext cx="11702160" cy="1626840"/>
           </a:xfrm>
           <a:prstGeom prst="rect">
             <a:avLst/>
@@ -470,7 +462,7 @@
         <p:spPr>
           <a:xfrm>
             <a:off x="650160" y="2282040"/>
-            <a:ext cx="11702520" cy="5655240"/>
+            <a:ext cx="11702160" cy="5654880"/>
           </a:xfrm>
           <a:prstGeom prst="rect">
             <a:avLst/>
@@ -514,7 +506,7 @@
         <p:txBody>
           <a:bodyPr/>
           <a:p>
-            <a:fld id="{67F9F854-73E4-49B8-9F37-6BD55BEA7845}" type="slidenum">
+            <a:fld id="{1DABA434-190F-4BE3-AE19-78016790F621}" type="slidenum">
               <a:t>&lt;#&gt;</a:t>
             </a:fld>
           </a:p>
@@ -555,7 +547,7 @@
         <p:spPr>
           <a:xfrm>
             <a:off x="650160" y="389160"/>
-            <a:ext cx="11702520" cy="1627200"/>
+            <a:ext cx="11702160" cy="1626840"/>
           </a:xfrm>
           <a:prstGeom prst="rect">
             <a:avLst/>
@@ -595,7 +587,7 @@
         <p:spPr>
           <a:xfrm>
             <a:off x="650160" y="2282040"/>
-            <a:ext cx="11702520" cy="5655240"/>
+            <a:ext cx="11702160" cy="5654880"/>
           </a:xfrm>
           <a:prstGeom prst="rect">
             <a:avLst/>
@@ -639,7 +631,7 @@
         <p:txBody>
           <a:bodyPr/>
           <a:p>
-            <a:fld id="{802B3FA0-8FC2-40BC-9247-1FA7EB03A6E5}" type="slidenum">
+            <a:fld id="{542E4072-DAC9-442A-852F-618B9FF24296}" type="slidenum">
               <a:t>&lt;#&gt;</a:t>
             </a:fld>
           </a:p>
@@ -680,7 +672,7 @@
         <p:spPr>
           <a:xfrm>
             <a:off x="650160" y="389160"/>
-            <a:ext cx="11702520" cy="1627200"/>
+            <a:ext cx="11702160" cy="1626840"/>
           </a:xfrm>
           <a:prstGeom prst="rect">
             <a:avLst/>
@@ -720,7 +712,7 @@
         <p:spPr>
           <a:xfrm>
             <a:off x="650160" y="2282040"/>
-            <a:ext cx="11702520" cy="5655240"/>
+            <a:ext cx="11702160" cy="5654880"/>
           </a:xfrm>
           <a:prstGeom prst="rect">
             <a:avLst/>
@@ -764,7 +756,7 @@
         <p:txBody>
           <a:bodyPr/>
           <a:p>
-            <a:fld id="{0A0B6FC5-1F5E-46A0-93C0-B939CB516452}" type="slidenum">
+            <a:fld id="{95338A9E-FD09-4FF5-AD0E-38EEB668D60B}" type="slidenum">
               <a:t>&lt;#&gt;</a:t>
             </a:fld>
           </a:p>
@@ -812,7 +804,7 @@
         <p:spPr>
           <a:xfrm>
             <a:off x="650160" y="389160"/>
-            <a:ext cx="11702520" cy="1627200"/>
+            <a:ext cx="11702160" cy="1626840"/>
           </a:xfrm>
           <a:prstGeom prst="rect">
             <a:avLst/>
@@ -827,11 +819,11 @@
             <a:noAutofit/>
           </a:bodyPr>
           <a:p>
-            <a:pPr indent="0" algn="ctr">
+            <a:pPr indent="0">
               <a:buNone/>
             </a:pPr>
             <a:r>
-              <a:rPr b="0" lang="en-US" sz="4400" spc="-1" strike="noStrike">
+              <a:rPr b="0" lang="en-US" sz="1800" spc="-1" strike="noStrike">
                 <a:solidFill>
                   <a:srgbClr val="000000"/>
                 </a:solidFill>
@@ -839,7 +831,7 @@
               </a:rPr>
               <a:t>Click to edit the title text format</a:t>
             </a:r>
-            <a:endParaRPr b="0" lang="en-US" sz="4400" spc="-1" strike="noStrike">
+            <a:endParaRPr b="0" lang="en-US" sz="1800" spc="-1" strike="noStrike">
               <a:solidFill>
                 <a:srgbClr val="000000"/>
               </a:solidFill>
@@ -861,7 +853,7 @@
         <p:spPr>
           <a:xfrm>
             <a:off x="650160" y="2282040"/>
-            <a:ext cx="11702520" cy="5655240"/>
+            <a:ext cx="11702160" cy="5654880"/>
           </a:xfrm>
           <a:prstGeom prst="rect">
             <a:avLst/>
@@ -888,7 +880,7 @@
               <a:buChar char=""/>
             </a:pPr>
             <a:r>
-              <a:rPr b="0" lang="en-US" sz="3200" spc="-1" strike="noStrike">
+              <a:rPr b="0" lang="en-US" sz="1800" spc="-1" strike="noStrike">
                 <a:solidFill>
                   <a:srgbClr val="000000"/>
                 </a:solidFill>
@@ -896,7 +888,7 @@
               </a:rPr>
               <a:t>Click to edit the outline text format</a:t>
             </a:r>
-            <a:endParaRPr b="0" lang="en-US" sz="3200" spc="-1" strike="noStrike">
+            <a:endParaRPr b="0" lang="en-US" sz="1800" spc="-1" strike="noStrike">
               <a:solidFill>
                 <a:srgbClr val="000000"/>
               </a:solidFill>
@@ -916,7 +908,7 @@
               <a:buChar char=""/>
             </a:pPr>
             <a:r>
-              <a:rPr b="0" lang="en-US" sz="2800" spc="-1" strike="noStrike">
+              <a:rPr b="0" lang="en-US" sz="1800" spc="-1" strike="noStrike">
                 <a:solidFill>
                   <a:srgbClr val="000000"/>
                 </a:solidFill>
@@ -924,7 +916,7 @@
               </a:rPr>
               <a:t>Second Outline Level</a:t>
             </a:r>
-            <a:endParaRPr b="0" lang="en-US" sz="2800" spc="-1" strike="noStrike">
+            <a:endParaRPr b="0" lang="en-US" sz="1800" spc="-1" strike="noStrike">
               <a:solidFill>
                 <a:srgbClr val="000000"/>
               </a:solidFill>
@@ -944,7 +936,7 @@
               <a:buChar char=""/>
             </a:pPr>
             <a:r>
-              <a:rPr b="0" lang="en-US" sz="2400" spc="-1" strike="noStrike">
+              <a:rPr b="0" lang="en-US" sz="1800" spc="-1" strike="noStrike">
                 <a:solidFill>
                   <a:srgbClr val="000000"/>
                 </a:solidFill>
@@ -952,7 +944,7 @@
               </a:rPr>
               <a:t>Third Outline Level</a:t>
             </a:r>
-            <a:endParaRPr b="0" lang="en-US" sz="2400" spc="-1" strike="noStrike">
+            <a:endParaRPr b="0" lang="en-US" sz="1800" spc="-1" strike="noStrike">
               <a:solidFill>
                 <a:srgbClr val="000000"/>
               </a:solidFill>
@@ -972,7 +964,7 @@
               <a:buChar char=""/>
             </a:pPr>
             <a:r>
-              <a:rPr b="0" lang="en-US" sz="2000" spc="-1" strike="noStrike">
+              <a:rPr b="0" lang="en-US" sz="1800" spc="-1" strike="noStrike">
                 <a:solidFill>
                   <a:srgbClr val="000000"/>
                 </a:solidFill>
@@ -980,7 +972,7 @@
               </a:rPr>
               <a:t>Fourth Outline Level</a:t>
             </a:r>
-            <a:endParaRPr b="0" lang="en-US" sz="2000" spc="-1" strike="noStrike">
+            <a:endParaRPr b="0" lang="en-US" sz="1800" spc="-1" strike="noStrike">
               <a:solidFill>
                 <a:srgbClr val="000000"/>
               </a:solidFill>
@@ -1000,7 +992,7 @@
               <a:buChar char=""/>
             </a:pPr>
             <a:r>
-              <a:rPr b="0" lang="en-US" sz="2000" spc="-1" strike="noStrike">
+              <a:rPr b="0" lang="en-US" sz="1800" spc="-1" strike="noStrike">
                 <a:solidFill>
                   <a:srgbClr val="000000"/>
                 </a:solidFill>
@@ -1008,7 +1000,7 @@
               </a:rPr>
               <a:t>Fifth Outline Level</a:t>
             </a:r>
-            <a:endParaRPr b="0" lang="en-US" sz="2000" spc="-1" strike="noStrike">
+            <a:endParaRPr b="0" lang="en-US" sz="1800" spc="-1" strike="noStrike">
               <a:solidFill>
                 <a:srgbClr val="000000"/>
               </a:solidFill>
@@ -1028,7 +1020,7 @@
               <a:buChar char=""/>
             </a:pPr>
             <a:r>
-              <a:rPr b="0" lang="en-US" sz="2000" spc="-1" strike="noStrike">
+              <a:rPr b="0" lang="en-US" sz="1800" spc="-1" strike="noStrike">
                 <a:solidFill>
                   <a:srgbClr val="000000"/>
                 </a:solidFill>
@@ -1036,7 +1028,7 @@
               </a:rPr>
               <a:t>Sixth Outline Level</a:t>
             </a:r>
-            <a:endParaRPr b="0" lang="en-US" sz="2000" spc="-1" strike="noStrike">
+            <a:endParaRPr b="0" lang="en-US" sz="1800" spc="-1" strike="noStrike">
               <a:solidFill>
                 <a:srgbClr val="000000"/>
               </a:solidFill>
@@ -1056,7 +1048,7 @@
               <a:buChar char=""/>
             </a:pPr>
             <a:r>
-              <a:rPr b="0" lang="en-US" sz="2000" spc="-1" strike="noStrike">
+              <a:rPr b="0" lang="en-US" sz="1800" spc="-1" strike="noStrike">
                 <a:solidFill>
                   <a:srgbClr val="000000"/>
                 </a:solidFill>
@@ -1064,7 +1056,7 @@
               </a:rPr>
               <a:t>Seventh Outline Level</a:t>
             </a:r>
-            <a:endParaRPr b="0" lang="en-US" sz="2000" spc="-1" strike="noStrike">
+            <a:endParaRPr b="0" lang="en-US" sz="1800" spc="-1" strike="noStrike">
               <a:solidFill>
                 <a:srgbClr val="000000"/>
               </a:solidFill>
@@ -1086,7 +1078,7 @@
         <p:spPr>
           <a:xfrm>
             <a:off x="6328800" y="9296280"/>
-            <a:ext cx="338760" cy="341640"/>
+            <a:ext cx="338400" cy="341280"/>
           </a:xfrm>
           <a:prstGeom prst="rect">
             <a:avLst/>
@@ -1127,7 +1119,7 @@
                 <a:tab algn="l" pos="0"/>
               </a:tabLst>
             </a:pPr>
-            <a:fld id="{AED649EA-657F-457A-8849-797C8803D94F}" type="slidenum">
+            <a:fld id="{1A9C22DC-45EB-44D9-B9CA-F35E8B430B8B}" type="slidenum">
               <a:rPr b="0" lang="pt-BR" sz="1400" spc="-1" strike="noStrike">
                 <a:solidFill>
                   <a:srgbClr val="000000"/>
@@ -1151,1891 +1143,6 @@
   <p:sldLayoutIdLst>
     <p:sldLayoutId id="2147483649" r:id="rId2"/>
   </p:sldLayoutIdLst>
-</p:sldMaster>
-</file>
-
-<file path=ppt/slideMasters/slideMaster10.xml><?xml version="1.0" encoding="utf-8"?>
-<p:sldMaster xmlns:a="http://schemas.openxmlformats.org/drawingml/2006/main" xmlns:p="http://schemas.openxmlformats.org/presentationml/2006/main" xmlns:r="http://schemas.openxmlformats.org/officeDocument/2006/relationships" xmlns:p14="http://schemas.microsoft.com/office/powerpoint/2010/main" xmlns:p15="http://schemas.microsoft.com/office/powerpoint/2012/main" xmlns:mc="http://schemas.openxmlformats.org/markup-compatibility/2006">
-  <p:cSld>
-    <p:bg>
-      <p:bgPr>
-        <a:solidFill>
-          <a:srgbClr val="ffffff"/>
-        </a:solidFill>
-      </p:bgPr>
-    </p:bg>
-    <p:spTree>
-      <p:nvGrpSpPr>
-        <p:cNvPr id="1" name=""/>
-        <p:cNvGrpSpPr/>
-        <p:nvPr/>
-      </p:nvGrpSpPr>
-      <p:grpSpPr>
-        <a:xfrm>
-          <a:off x="0" y="0"/>
-          <a:ext cx="0" cy="0"/>
-          <a:chOff x="0" y="0"/>
-          <a:chExt cx="0" cy="0"/>
-        </a:xfrm>
-      </p:grpSpPr>
-      <p:sp>
-        <p:nvSpPr>
-          <p:cNvPr id="38" name="PlaceHolder 1"/>
-          <p:cNvSpPr>
-            <a:spLocks noGrp="1"/>
-          </p:cNvSpPr>
-          <p:nvPr>
-            <p:ph type="title"/>
-          </p:nvPr>
-        </p:nvSpPr>
-        <p:spPr>
-          <a:xfrm>
-            <a:off x="650160" y="389160"/>
-            <a:ext cx="11702520" cy="1627200"/>
-          </a:xfrm>
-          <a:prstGeom prst="rect">
-            <a:avLst/>
-          </a:prstGeom>
-          <a:noFill/>
-          <a:ln w="0">
-            <a:noFill/>
-          </a:ln>
-        </p:spPr>
-        <p:txBody>
-          <a:bodyPr lIns="0" rIns="0" tIns="0" bIns="0" anchor="ctr">
-            <a:noAutofit/>
-          </a:bodyPr>
-          <a:p>
-            <a:pPr indent="0" algn="ctr">
-              <a:buNone/>
-            </a:pPr>
-            <a:r>
-              <a:rPr b="0" lang="en-US" sz="4400" spc="-1" strike="noStrike">
-                <a:solidFill>
-                  <a:srgbClr val="000000"/>
-                </a:solidFill>
-                <a:latin typeface="Arial"/>
-              </a:rPr>
-              <a:t>Click to edit the title text format</a:t>
-            </a:r>
-            <a:endParaRPr b="0" lang="en-US" sz="4400" spc="-1" strike="noStrike">
-              <a:solidFill>
-                <a:srgbClr val="000000"/>
-              </a:solidFill>
-              <a:latin typeface="Arial"/>
-            </a:endParaRPr>
-          </a:p>
-        </p:txBody>
-      </p:sp>
-      <p:sp>
-        <p:nvSpPr>
-          <p:cNvPr id="39" name="PlaceHolder 2"/>
-          <p:cNvSpPr>
-            <a:spLocks noGrp="1"/>
-          </p:cNvSpPr>
-          <p:nvPr>
-            <p:ph type="body"/>
-          </p:nvPr>
-        </p:nvSpPr>
-        <p:spPr>
-          <a:xfrm>
-            <a:off x="650160" y="2282040"/>
-            <a:ext cx="11702520" cy="5655240"/>
-          </a:xfrm>
-          <a:prstGeom prst="rect">
-            <a:avLst/>
-          </a:prstGeom>
-          <a:noFill/>
-          <a:ln w="0">
-            <a:noFill/>
-          </a:ln>
-        </p:spPr>
-        <p:txBody>
-          <a:bodyPr lIns="0" rIns="0" tIns="0" bIns="0" anchor="t">
-            <a:normAutofit/>
-          </a:bodyPr>
-          <a:p>
-            <a:pPr marL="432000" indent="-324000">
-              <a:spcBef>
-                <a:spcPts val="1417"/>
-              </a:spcBef>
-              <a:buClr>
-                <a:srgbClr val="000000"/>
-              </a:buClr>
-              <a:buSzPct val="45000"/>
-              <a:buFont typeface="Wingdings" charset="2"/>
-              <a:buChar char=""/>
-            </a:pPr>
-            <a:r>
-              <a:rPr b="0" lang="en-US" sz="3200" spc="-1" strike="noStrike">
-                <a:solidFill>
-                  <a:srgbClr val="000000"/>
-                </a:solidFill>
-                <a:latin typeface="Arial"/>
-              </a:rPr>
-              <a:t>Click to edit the outline text format</a:t>
-            </a:r>
-            <a:endParaRPr b="0" lang="en-US" sz="3200" spc="-1" strike="noStrike">
-              <a:solidFill>
-                <a:srgbClr val="000000"/>
-              </a:solidFill>
-              <a:latin typeface="Arial"/>
-            </a:endParaRPr>
-          </a:p>
-          <a:p>
-            <a:pPr lvl="1" marL="864000" indent="-324000">
-              <a:spcBef>
-                <a:spcPts val="1134"/>
-              </a:spcBef>
-              <a:buClr>
-                <a:srgbClr val="000000"/>
-              </a:buClr>
-              <a:buSzPct val="75000"/>
-              <a:buFont typeface="Symbol" charset="2"/>
-              <a:buChar char=""/>
-            </a:pPr>
-            <a:r>
-              <a:rPr b="0" lang="en-US" sz="2800" spc="-1" strike="noStrike">
-                <a:solidFill>
-                  <a:srgbClr val="000000"/>
-                </a:solidFill>
-                <a:latin typeface="Arial"/>
-              </a:rPr>
-              <a:t>Second Outline Level</a:t>
-            </a:r>
-            <a:endParaRPr b="0" lang="en-US" sz="2800" spc="-1" strike="noStrike">
-              <a:solidFill>
-                <a:srgbClr val="000000"/>
-              </a:solidFill>
-              <a:latin typeface="Arial"/>
-            </a:endParaRPr>
-          </a:p>
-          <a:p>
-            <a:pPr lvl="2" marL="1296000" indent="-288000">
-              <a:spcBef>
-                <a:spcPts val="850"/>
-              </a:spcBef>
-              <a:buClr>
-                <a:srgbClr val="000000"/>
-              </a:buClr>
-              <a:buSzPct val="45000"/>
-              <a:buFont typeface="Wingdings" charset="2"/>
-              <a:buChar char=""/>
-            </a:pPr>
-            <a:r>
-              <a:rPr b="0" lang="en-US" sz="2400" spc="-1" strike="noStrike">
-                <a:solidFill>
-                  <a:srgbClr val="000000"/>
-                </a:solidFill>
-                <a:latin typeface="Arial"/>
-              </a:rPr>
-              <a:t>Third Outline Level</a:t>
-            </a:r>
-            <a:endParaRPr b="0" lang="en-US" sz="2400" spc="-1" strike="noStrike">
-              <a:solidFill>
-                <a:srgbClr val="000000"/>
-              </a:solidFill>
-              <a:latin typeface="Arial"/>
-            </a:endParaRPr>
-          </a:p>
-          <a:p>
-            <a:pPr lvl="3" marL="1728000" indent="-216000">
-              <a:spcBef>
-                <a:spcPts val="567"/>
-              </a:spcBef>
-              <a:buClr>
-                <a:srgbClr val="000000"/>
-              </a:buClr>
-              <a:buSzPct val="75000"/>
-              <a:buFont typeface="Symbol" charset="2"/>
-              <a:buChar char=""/>
-            </a:pPr>
-            <a:r>
-              <a:rPr b="0" lang="en-US" sz="2000" spc="-1" strike="noStrike">
-                <a:solidFill>
-                  <a:srgbClr val="000000"/>
-                </a:solidFill>
-                <a:latin typeface="Arial"/>
-              </a:rPr>
-              <a:t>Fourth Outline Level</a:t>
-            </a:r>
-            <a:endParaRPr b="0" lang="en-US" sz="2000" spc="-1" strike="noStrike">
-              <a:solidFill>
-                <a:srgbClr val="000000"/>
-              </a:solidFill>
-              <a:latin typeface="Arial"/>
-            </a:endParaRPr>
-          </a:p>
-          <a:p>
-            <a:pPr lvl="4" marL="2160000" indent="-216000">
-              <a:spcBef>
-                <a:spcPts val="283"/>
-              </a:spcBef>
-              <a:buClr>
-                <a:srgbClr val="000000"/>
-              </a:buClr>
-              <a:buSzPct val="45000"/>
-              <a:buFont typeface="Wingdings" charset="2"/>
-              <a:buChar char=""/>
-            </a:pPr>
-            <a:r>
-              <a:rPr b="0" lang="en-US" sz="2000" spc="-1" strike="noStrike">
-                <a:solidFill>
-                  <a:srgbClr val="000000"/>
-                </a:solidFill>
-                <a:latin typeface="Arial"/>
-              </a:rPr>
-              <a:t>Fifth Outline Level</a:t>
-            </a:r>
-            <a:endParaRPr b="0" lang="en-US" sz="2000" spc="-1" strike="noStrike">
-              <a:solidFill>
-                <a:srgbClr val="000000"/>
-              </a:solidFill>
-              <a:latin typeface="Arial"/>
-            </a:endParaRPr>
-          </a:p>
-          <a:p>
-            <a:pPr lvl="5" marL="2592000" indent="-216000">
-              <a:spcBef>
-                <a:spcPts val="283"/>
-              </a:spcBef>
-              <a:buClr>
-                <a:srgbClr val="000000"/>
-              </a:buClr>
-              <a:buSzPct val="45000"/>
-              <a:buFont typeface="Wingdings" charset="2"/>
-              <a:buChar char=""/>
-            </a:pPr>
-            <a:r>
-              <a:rPr b="0" lang="en-US" sz="2000" spc="-1" strike="noStrike">
-                <a:solidFill>
-                  <a:srgbClr val="000000"/>
-                </a:solidFill>
-                <a:latin typeface="Arial"/>
-              </a:rPr>
-              <a:t>Sixth Outline Level</a:t>
-            </a:r>
-            <a:endParaRPr b="0" lang="en-US" sz="2000" spc="-1" strike="noStrike">
-              <a:solidFill>
-                <a:srgbClr val="000000"/>
-              </a:solidFill>
-              <a:latin typeface="Arial"/>
-            </a:endParaRPr>
-          </a:p>
-          <a:p>
-            <a:pPr lvl="6" marL="3024000" indent="-216000">
-              <a:spcBef>
-                <a:spcPts val="283"/>
-              </a:spcBef>
-              <a:buClr>
-                <a:srgbClr val="000000"/>
-              </a:buClr>
-              <a:buSzPct val="45000"/>
-              <a:buFont typeface="Wingdings" charset="2"/>
-              <a:buChar char=""/>
-            </a:pPr>
-            <a:r>
-              <a:rPr b="0" lang="en-US" sz="2000" spc="-1" strike="noStrike">
-                <a:solidFill>
-                  <a:srgbClr val="000000"/>
-                </a:solidFill>
-                <a:latin typeface="Arial"/>
-              </a:rPr>
-              <a:t>Seventh Outline Level</a:t>
-            </a:r>
-            <a:endParaRPr b="0" lang="en-US" sz="2000" spc="-1" strike="noStrike">
-              <a:solidFill>
-                <a:srgbClr val="000000"/>
-              </a:solidFill>
-              <a:latin typeface="Arial"/>
-            </a:endParaRPr>
-          </a:p>
-        </p:txBody>
-      </p:sp>
-      <p:sp>
-        <p:nvSpPr>
-          <p:cNvPr id="40" name="PlaceHolder 3"/>
-          <p:cNvSpPr>
-            <a:spLocks noGrp="1"/>
-          </p:cNvSpPr>
-          <p:nvPr>
-            <p:ph type="sldNum" idx="10"/>
-          </p:nvPr>
-        </p:nvSpPr>
-        <p:spPr>
-          <a:xfrm>
-            <a:off x="6328800" y="9296280"/>
-            <a:ext cx="338760" cy="322920"/>
-          </a:xfrm>
-          <a:prstGeom prst="rect">
-            <a:avLst/>
-          </a:prstGeom>
-          <a:noFill/>
-          <a:ln w="12600">
-            <a:noFill/>
-          </a:ln>
-        </p:spPr>
-        <p:txBody>
-          <a:bodyPr lIns="50760" rIns="50760" tIns="50760" bIns="50760" anchor="t">
-            <a:noAutofit/>
-          </a:bodyPr>
-          <a:lstStyle>
-            <a:lvl1pPr indent="0">
-              <a:lnSpc>
-                <a:spcPct val="100000"/>
-              </a:lnSpc>
-              <a:buNone/>
-              <a:tabLst>
-                <a:tab algn="l" pos="0"/>
-              </a:tabLst>
-              <a:defRPr b="0" lang="pt-BR" sz="1400" spc="-1" strike="noStrike">
-                <a:solidFill>
-                  <a:srgbClr val="000000"/>
-                </a:solidFill>
-                <a:latin typeface="Times New Roman"/>
-              </a:defRPr>
-            </a:lvl1pPr>
-          </a:lstStyle>
-          <a:p>
-            <a:pPr indent="0">
-              <a:lnSpc>
-                <a:spcPct val="100000"/>
-              </a:lnSpc>
-              <a:buNone/>
-              <a:tabLst>
-                <a:tab algn="l" pos="0"/>
-              </a:tabLst>
-            </a:pPr>
-            <a:fld id="{C145B285-A2F9-4E43-A6E8-3288D9A359D8}" type="slidenum">
-              <a:rPr b="0" lang="pt-BR" sz="1400" spc="-1" strike="noStrike">
-                <a:solidFill>
-                  <a:srgbClr val="000000"/>
-                </a:solidFill>
-                <a:latin typeface="Times New Roman"/>
-              </a:rPr>
-              <a:t>&lt;number&gt;</a:t>
-            </a:fld>
-            <a:endParaRPr b="0" lang="en-US" sz="1400" spc="-1" strike="noStrike">
-              <a:solidFill>
-                <a:srgbClr val="000000"/>
-              </a:solidFill>
-              <a:latin typeface="Times New Roman"/>
-            </a:endParaRPr>
-          </a:p>
-        </p:txBody>
-      </p:sp>
-    </p:spTree>
-  </p:cSld>
-  <p:clrMap bg1="lt1" bg2="lt2" tx1="dk1" tx2="dk2" accent1="accent1" accent2="accent2" accent3="accent3" accent4="accent4" accent5="accent5" accent6="accent6" hlink="hlink" folHlink="folHlink"/>
-  <p:sldLayoutIdLst/>
-</p:sldMaster>
-</file>
-
-<file path=ppt/slideMasters/slideMaster11.xml><?xml version="1.0" encoding="utf-8"?>
-<p:sldMaster xmlns:a="http://schemas.openxmlformats.org/drawingml/2006/main" xmlns:p="http://schemas.openxmlformats.org/presentationml/2006/main" xmlns:r="http://schemas.openxmlformats.org/officeDocument/2006/relationships" xmlns:p14="http://schemas.microsoft.com/office/powerpoint/2010/main" xmlns:p15="http://schemas.microsoft.com/office/powerpoint/2012/main" xmlns:mc="http://schemas.openxmlformats.org/markup-compatibility/2006">
-  <p:cSld>
-    <p:bg>
-      <p:bgPr>
-        <a:solidFill>
-          <a:srgbClr val="ffffff"/>
-        </a:solidFill>
-      </p:bgPr>
-    </p:bg>
-    <p:spTree>
-      <p:nvGrpSpPr>
-        <p:cNvPr id="1" name=""/>
-        <p:cNvGrpSpPr/>
-        <p:nvPr/>
-      </p:nvGrpSpPr>
-      <p:grpSpPr>
-        <a:xfrm>
-          <a:off x="0" y="0"/>
-          <a:ext cx="0" cy="0"/>
-          <a:chOff x="0" y="0"/>
-          <a:chExt cx="0" cy="0"/>
-        </a:xfrm>
-      </p:grpSpPr>
-      <p:sp>
-        <p:nvSpPr>
-          <p:cNvPr id="41" name="PlaceHolder 1"/>
-          <p:cNvSpPr>
-            <a:spLocks noGrp="1"/>
-          </p:cNvSpPr>
-          <p:nvPr>
-            <p:ph type="title"/>
-          </p:nvPr>
-        </p:nvSpPr>
-        <p:spPr>
-          <a:xfrm>
-            <a:off x="650160" y="389160"/>
-            <a:ext cx="11702520" cy="1627200"/>
-          </a:xfrm>
-          <a:prstGeom prst="rect">
-            <a:avLst/>
-          </a:prstGeom>
-          <a:noFill/>
-          <a:ln w="0">
-            <a:noFill/>
-          </a:ln>
-        </p:spPr>
-        <p:txBody>
-          <a:bodyPr lIns="0" rIns="0" tIns="0" bIns="0" anchor="ctr">
-            <a:noAutofit/>
-          </a:bodyPr>
-          <a:p>
-            <a:pPr indent="0" algn="ctr">
-              <a:buNone/>
-            </a:pPr>
-            <a:r>
-              <a:rPr b="0" lang="en-US" sz="4400" spc="-1" strike="noStrike">
-                <a:solidFill>
-                  <a:srgbClr val="000000"/>
-                </a:solidFill>
-                <a:latin typeface="Arial"/>
-              </a:rPr>
-              <a:t>Click to edit the title text format</a:t>
-            </a:r>
-            <a:endParaRPr b="0" lang="en-US" sz="4400" spc="-1" strike="noStrike">
-              <a:solidFill>
-                <a:srgbClr val="000000"/>
-              </a:solidFill>
-              <a:latin typeface="Arial"/>
-            </a:endParaRPr>
-          </a:p>
-        </p:txBody>
-      </p:sp>
-      <p:sp>
-        <p:nvSpPr>
-          <p:cNvPr id="42" name="PlaceHolder 2"/>
-          <p:cNvSpPr>
-            <a:spLocks noGrp="1"/>
-          </p:cNvSpPr>
-          <p:nvPr>
-            <p:ph type="body"/>
-          </p:nvPr>
-        </p:nvSpPr>
-        <p:spPr>
-          <a:xfrm>
-            <a:off x="650160" y="2282040"/>
-            <a:ext cx="11702520" cy="5655240"/>
-          </a:xfrm>
-          <a:prstGeom prst="rect">
-            <a:avLst/>
-          </a:prstGeom>
-          <a:noFill/>
-          <a:ln w="0">
-            <a:noFill/>
-          </a:ln>
-        </p:spPr>
-        <p:txBody>
-          <a:bodyPr lIns="0" rIns="0" tIns="0" bIns="0" anchor="t">
-            <a:normAutofit/>
-          </a:bodyPr>
-          <a:p>
-            <a:pPr marL="432000" indent="-324000">
-              <a:spcBef>
-                <a:spcPts val="1417"/>
-              </a:spcBef>
-              <a:buClr>
-                <a:srgbClr val="000000"/>
-              </a:buClr>
-              <a:buSzPct val="45000"/>
-              <a:buFont typeface="Wingdings" charset="2"/>
-              <a:buChar char=""/>
-            </a:pPr>
-            <a:r>
-              <a:rPr b="0" lang="en-US" sz="3200" spc="-1" strike="noStrike">
-                <a:solidFill>
-                  <a:srgbClr val="000000"/>
-                </a:solidFill>
-                <a:latin typeface="Arial"/>
-              </a:rPr>
-              <a:t>Click to edit the outline text format</a:t>
-            </a:r>
-            <a:endParaRPr b="0" lang="en-US" sz="3200" spc="-1" strike="noStrike">
-              <a:solidFill>
-                <a:srgbClr val="000000"/>
-              </a:solidFill>
-              <a:latin typeface="Arial"/>
-            </a:endParaRPr>
-          </a:p>
-          <a:p>
-            <a:pPr lvl="1" marL="864000" indent="-324000">
-              <a:spcBef>
-                <a:spcPts val="1134"/>
-              </a:spcBef>
-              <a:buClr>
-                <a:srgbClr val="000000"/>
-              </a:buClr>
-              <a:buSzPct val="75000"/>
-              <a:buFont typeface="Symbol" charset="2"/>
-              <a:buChar char=""/>
-            </a:pPr>
-            <a:r>
-              <a:rPr b="0" lang="en-US" sz="2800" spc="-1" strike="noStrike">
-                <a:solidFill>
-                  <a:srgbClr val="000000"/>
-                </a:solidFill>
-                <a:latin typeface="Arial"/>
-              </a:rPr>
-              <a:t>Second Outline Level</a:t>
-            </a:r>
-            <a:endParaRPr b="0" lang="en-US" sz="2800" spc="-1" strike="noStrike">
-              <a:solidFill>
-                <a:srgbClr val="000000"/>
-              </a:solidFill>
-              <a:latin typeface="Arial"/>
-            </a:endParaRPr>
-          </a:p>
-          <a:p>
-            <a:pPr lvl="2" marL="1296000" indent="-288000">
-              <a:spcBef>
-                <a:spcPts val="850"/>
-              </a:spcBef>
-              <a:buClr>
-                <a:srgbClr val="000000"/>
-              </a:buClr>
-              <a:buSzPct val="45000"/>
-              <a:buFont typeface="Wingdings" charset="2"/>
-              <a:buChar char=""/>
-            </a:pPr>
-            <a:r>
-              <a:rPr b="0" lang="en-US" sz="2400" spc="-1" strike="noStrike">
-                <a:solidFill>
-                  <a:srgbClr val="000000"/>
-                </a:solidFill>
-                <a:latin typeface="Arial"/>
-              </a:rPr>
-              <a:t>Third Outline Level</a:t>
-            </a:r>
-            <a:endParaRPr b="0" lang="en-US" sz="2400" spc="-1" strike="noStrike">
-              <a:solidFill>
-                <a:srgbClr val="000000"/>
-              </a:solidFill>
-              <a:latin typeface="Arial"/>
-            </a:endParaRPr>
-          </a:p>
-          <a:p>
-            <a:pPr lvl="3" marL="1728000" indent="-216000">
-              <a:spcBef>
-                <a:spcPts val="567"/>
-              </a:spcBef>
-              <a:buClr>
-                <a:srgbClr val="000000"/>
-              </a:buClr>
-              <a:buSzPct val="75000"/>
-              <a:buFont typeface="Symbol" charset="2"/>
-              <a:buChar char=""/>
-            </a:pPr>
-            <a:r>
-              <a:rPr b="0" lang="en-US" sz="2000" spc="-1" strike="noStrike">
-                <a:solidFill>
-                  <a:srgbClr val="000000"/>
-                </a:solidFill>
-                <a:latin typeface="Arial"/>
-              </a:rPr>
-              <a:t>Fourth Outline Level</a:t>
-            </a:r>
-            <a:endParaRPr b="0" lang="en-US" sz="2000" spc="-1" strike="noStrike">
-              <a:solidFill>
-                <a:srgbClr val="000000"/>
-              </a:solidFill>
-              <a:latin typeface="Arial"/>
-            </a:endParaRPr>
-          </a:p>
-          <a:p>
-            <a:pPr lvl="4" marL="2160000" indent="-216000">
-              <a:spcBef>
-                <a:spcPts val="283"/>
-              </a:spcBef>
-              <a:buClr>
-                <a:srgbClr val="000000"/>
-              </a:buClr>
-              <a:buSzPct val="45000"/>
-              <a:buFont typeface="Wingdings" charset="2"/>
-              <a:buChar char=""/>
-            </a:pPr>
-            <a:r>
-              <a:rPr b="0" lang="en-US" sz="2000" spc="-1" strike="noStrike">
-                <a:solidFill>
-                  <a:srgbClr val="000000"/>
-                </a:solidFill>
-                <a:latin typeface="Arial"/>
-              </a:rPr>
-              <a:t>Fifth Outline Level</a:t>
-            </a:r>
-            <a:endParaRPr b="0" lang="en-US" sz="2000" spc="-1" strike="noStrike">
-              <a:solidFill>
-                <a:srgbClr val="000000"/>
-              </a:solidFill>
-              <a:latin typeface="Arial"/>
-            </a:endParaRPr>
-          </a:p>
-          <a:p>
-            <a:pPr lvl="5" marL="2592000" indent="-216000">
-              <a:spcBef>
-                <a:spcPts val="283"/>
-              </a:spcBef>
-              <a:buClr>
-                <a:srgbClr val="000000"/>
-              </a:buClr>
-              <a:buSzPct val="45000"/>
-              <a:buFont typeface="Wingdings" charset="2"/>
-              <a:buChar char=""/>
-            </a:pPr>
-            <a:r>
-              <a:rPr b="0" lang="en-US" sz="2000" spc="-1" strike="noStrike">
-                <a:solidFill>
-                  <a:srgbClr val="000000"/>
-                </a:solidFill>
-                <a:latin typeface="Arial"/>
-              </a:rPr>
-              <a:t>Sixth Outline Level</a:t>
-            </a:r>
-            <a:endParaRPr b="0" lang="en-US" sz="2000" spc="-1" strike="noStrike">
-              <a:solidFill>
-                <a:srgbClr val="000000"/>
-              </a:solidFill>
-              <a:latin typeface="Arial"/>
-            </a:endParaRPr>
-          </a:p>
-          <a:p>
-            <a:pPr lvl="6" marL="3024000" indent="-216000">
-              <a:spcBef>
-                <a:spcPts val="283"/>
-              </a:spcBef>
-              <a:buClr>
-                <a:srgbClr val="000000"/>
-              </a:buClr>
-              <a:buSzPct val="45000"/>
-              <a:buFont typeface="Wingdings" charset="2"/>
-              <a:buChar char=""/>
-            </a:pPr>
-            <a:r>
-              <a:rPr b="0" lang="en-US" sz="2000" spc="-1" strike="noStrike">
-                <a:solidFill>
-                  <a:srgbClr val="000000"/>
-                </a:solidFill>
-                <a:latin typeface="Arial"/>
-              </a:rPr>
-              <a:t>Seventh Outline Level</a:t>
-            </a:r>
-            <a:endParaRPr b="0" lang="en-US" sz="2000" spc="-1" strike="noStrike">
-              <a:solidFill>
-                <a:srgbClr val="000000"/>
-              </a:solidFill>
-              <a:latin typeface="Arial"/>
-            </a:endParaRPr>
-          </a:p>
-        </p:txBody>
-      </p:sp>
-      <p:sp>
-        <p:nvSpPr>
-          <p:cNvPr id="43" name="PlaceHolder 3"/>
-          <p:cNvSpPr>
-            <a:spLocks noGrp="1"/>
-          </p:cNvSpPr>
-          <p:nvPr>
-            <p:ph type="sldNum" idx="11"/>
-          </p:nvPr>
-        </p:nvSpPr>
-        <p:spPr>
-          <a:xfrm>
-            <a:off x="6328800" y="9296280"/>
-            <a:ext cx="338760" cy="322920"/>
-          </a:xfrm>
-          <a:prstGeom prst="rect">
-            <a:avLst/>
-          </a:prstGeom>
-          <a:noFill/>
-          <a:ln w="12600">
-            <a:noFill/>
-          </a:ln>
-        </p:spPr>
-        <p:txBody>
-          <a:bodyPr lIns="50760" rIns="50760" tIns="50760" bIns="50760" anchor="t">
-            <a:noAutofit/>
-          </a:bodyPr>
-          <a:lstStyle>
-            <a:lvl1pPr indent="0">
-              <a:lnSpc>
-                <a:spcPct val="100000"/>
-              </a:lnSpc>
-              <a:buNone/>
-              <a:tabLst>
-                <a:tab algn="l" pos="0"/>
-              </a:tabLst>
-              <a:defRPr b="0" lang="pt-BR" sz="1400" spc="-1" strike="noStrike">
-                <a:solidFill>
-                  <a:srgbClr val="000000"/>
-                </a:solidFill>
-                <a:latin typeface="Times New Roman"/>
-              </a:defRPr>
-            </a:lvl1pPr>
-          </a:lstStyle>
-          <a:p>
-            <a:pPr indent="0">
-              <a:lnSpc>
-                <a:spcPct val="100000"/>
-              </a:lnSpc>
-              <a:buNone/>
-              <a:tabLst>
-                <a:tab algn="l" pos="0"/>
-              </a:tabLst>
-            </a:pPr>
-            <a:fld id="{DDB73B67-F744-4FF6-A6C0-86DC9F426AD5}" type="slidenum">
-              <a:rPr b="0" lang="pt-BR" sz="1400" spc="-1" strike="noStrike">
-                <a:solidFill>
-                  <a:srgbClr val="000000"/>
-                </a:solidFill>
-                <a:latin typeface="Times New Roman"/>
-              </a:rPr>
-              <a:t>&lt;number&gt;</a:t>
-            </a:fld>
-            <a:endParaRPr b="0" lang="en-US" sz="1400" spc="-1" strike="noStrike">
-              <a:solidFill>
-                <a:srgbClr val="000000"/>
-              </a:solidFill>
-              <a:latin typeface="Times New Roman"/>
-            </a:endParaRPr>
-          </a:p>
-        </p:txBody>
-      </p:sp>
-    </p:spTree>
-  </p:cSld>
-  <p:clrMap bg1="lt1" bg2="lt2" tx1="dk1" tx2="dk2" accent1="accent1" accent2="accent2" accent3="accent3" accent4="accent4" accent5="accent5" accent6="accent6" hlink="hlink" folHlink="folHlink"/>
-  <p:sldLayoutIdLst/>
-</p:sldMaster>
-</file>
-
-<file path=ppt/slideMasters/slideMaster12.xml><?xml version="1.0" encoding="utf-8"?>
-<p:sldMaster xmlns:a="http://schemas.openxmlformats.org/drawingml/2006/main" xmlns:p="http://schemas.openxmlformats.org/presentationml/2006/main" xmlns:r="http://schemas.openxmlformats.org/officeDocument/2006/relationships" xmlns:p14="http://schemas.microsoft.com/office/powerpoint/2010/main" xmlns:p15="http://schemas.microsoft.com/office/powerpoint/2012/main" xmlns:mc="http://schemas.openxmlformats.org/markup-compatibility/2006">
-  <p:cSld>
-    <p:bg>
-      <p:bgPr>
-        <a:solidFill>
-          <a:srgbClr val="ffffff"/>
-        </a:solidFill>
-      </p:bgPr>
-    </p:bg>
-    <p:spTree>
-      <p:nvGrpSpPr>
-        <p:cNvPr id="1" name=""/>
-        <p:cNvGrpSpPr/>
-        <p:nvPr/>
-      </p:nvGrpSpPr>
-      <p:grpSpPr>
-        <a:xfrm>
-          <a:off x="0" y="0"/>
-          <a:ext cx="0" cy="0"/>
-          <a:chOff x="0" y="0"/>
-          <a:chExt cx="0" cy="0"/>
-        </a:xfrm>
-      </p:grpSpPr>
-      <p:sp>
-        <p:nvSpPr>
-          <p:cNvPr id="44" name="PlaceHolder 1"/>
-          <p:cNvSpPr>
-            <a:spLocks noGrp="1"/>
-          </p:cNvSpPr>
-          <p:nvPr>
-            <p:ph type="title"/>
-          </p:nvPr>
-        </p:nvSpPr>
-        <p:spPr>
-          <a:xfrm>
-            <a:off x="650160" y="389160"/>
-            <a:ext cx="11702520" cy="1627200"/>
-          </a:xfrm>
-          <a:prstGeom prst="rect">
-            <a:avLst/>
-          </a:prstGeom>
-          <a:noFill/>
-          <a:ln w="0">
-            <a:noFill/>
-          </a:ln>
-        </p:spPr>
-        <p:txBody>
-          <a:bodyPr lIns="0" rIns="0" tIns="0" bIns="0" anchor="ctr">
-            <a:noAutofit/>
-          </a:bodyPr>
-          <a:p>
-            <a:pPr indent="0" algn="ctr">
-              <a:buNone/>
-            </a:pPr>
-            <a:r>
-              <a:rPr b="0" lang="en-US" sz="4400" spc="-1" strike="noStrike">
-                <a:solidFill>
-                  <a:srgbClr val="000000"/>
-                </a:solidFill>
-                <a:latin typeface="Arial"/>
-              </a:rPr>
-              <a:t>Click to edit the title text format</a:t>
-            </a:r>
-            <a:endParaRPr b="0" lang="en-US" sz="4400" spc="-1" strike="noStrike">
-              <a:solidFill>
-                <a:srgbClr val="000000"/>
-              </a:solidFill>
-              <a:latin typeface="Arial"/>
-            </a:endParaRPr>
-          </a:p>
-        </p:txBody>
-      </p:sp>
-      <p:sp>
-        <p:nvSpPr>
-          <p:cNvPr id="45" name="PlaceHolder 2"/>
-          <p:cNvSpPr>
-            <a:spLocks noGrp="1"/>
-          </p:cNvSpPr>
-          <p:nvPr>
-            <p:ph type="body"/>
-          </p:nvPr>
-        </p:nvSpPr>
-        <p:spPr>
-          <a:xfrm>
-            <a:off x="650160" y="2282040"/>
-            <a:ext cx="11702520" cy="5655240"/>
-          </a:xfrm>
-          <a:prstGeom prst="rect">
-            <a:avLst/>
-          </a:prstGeom>
-          <a:noFill/>
-          <a:ln w="0">
-            <a:noFill/>
-          </a:ln>
-        </p:spPr>
-        <p:txBody>
-          <a:bodyPr lIns="0" rIns="0" tIns="0" bIns="0" anchor="t">
-            <a:normAutofit/>
-          </a:bodyPr>
-          <a:p>
-            <a:pPr marL="432000" indent="-324000">
-              <a:spcBef>
-                <a:spcPts val="1417"/>
-              </a:spcBef>
-              <a:buClr>
-                <a:srgbClr val="000000"/>
-              </a:buClr>
-              <a:buSzPct val="45000"/>
-              <a:buFont typeface="Wingdings" charset="2"/>
-              <a:buChar char=""/>
-            </a:pPr>
-            <a:r>
-              <a:rPr b="0" lang="en-US" sz="3200" spc="-1" strike="noStrike">
-                <a:solidFill>
-                  <a:srgbClr val="000000"/>
-                </a:solidFill>
-                <a:latin typeface="Arial"/>
-              </a:rPr>
-              <a:t>Click to edit the outline text format</a:t>
-            </a:r>
-            <a:endParaRPr b="0" lang="en-US" sz="3200" spc="-1" strike="noStrike">
-              <a:solidFill>
-                <a:srgbClr val="000000"/>
-              </a:solidFill>
-              <a:latin typeface="Arial"/>
-            </a:endParaRPr>
-          </a:p>
-          <a:p>
-            <a:pPr lvl="1" marL="864000" indent="-324000">
-              <a:spcBef>
-                <a:spcPts val="1134"/>
-              </a:spcBef>
-              <a:buClr>
-                <a:srgbClr val="000000"/>
-              </a:buClr>
-              <a:buSzPct val="75000"/>
-              <a:buFont typeface="Symbol" charset="2"/>
-              <a:buChar char=""/>
-            </a:pPr>
-            <a:r>
-              <a:rPr b="0" lang="en-US" sz="2800" spc="-1" strike="noStrike">
-                <a:solidFill>
-                  <a:srgbClr val="000000"/>
-                </a:solidFill>
-                <a:latin typeface="Arial"/>
-              </a:rPr>
-              <a:t>Second Outline Level</a:t>
-            </a:r>
-            <a:endParaRPr b="0" lang="en-US" sz="2800" spc="-1" strike="noStrike">
-              <a:solidFill>
-                <a:srgbClr val="000000"/>
-              </a:solidFill>
-              <a:latin typeface="Arial"/>
-            </a:endParaRPr>
-          </a:p>
-          <a:p>
-            <a:pPr lvl="2" marL="1296000" indent="-288000">
-              <a:spcBef>
-                <a:spcPts val="850"/>
-              </a:spcBef>
-              <a:buClr>
-                <a:srgbClr val="000000"/>
-              </a:buClr>
-              <a:buSzPct val="45000"/>
-              <a:buFont typeface="Wingdings" charset="2"/>
-              <a:buChar char=""/>
-            </a:pPr>
-            <a:r>
-              <a:rPr b="0" lang="en-US" sz="2400" spc="-1" strike="noStrike">
-                <a:solidFill>
-                  <a:srgbClr val="000000"/>
-                </a:solidFill>
-                <a:latin typeface="Arial"/>
-              </a:rPr>
-              <a:t>Third Outline Level</a:t>
-            </a:r>
-            <a:endParaRPr b="0" lang="en-US" sz="2400" spc="-1" strike="noStrike">
-              <a:solidFill>
-                <a:srgbClr val="000000"/>
-              </a:solidFill>
-              <a:latin typeface="Arial"/>
-            </a:endParaRPr>
-          </a:p>
-          <a:p>
-            <a:pPr lvl="3" marL="1728000" indent="-216000">
-              <a:spcBef>
-                <a:spcPts val="567"/>
-              </a:spcBef>
-              <a:buClr>
-                <a:srgbClr val="000000"/>
-              </a:buClr>
-              <a:buSzPct val="75000"/>
-              <a:buFont typeface="Symbol" charset="2"/>
-              <a:buChar char=""/>
-            </a:pPr>
-            <a:r>
-              <a:rPr b="0" lang="en-US" sz="2000" spc="-1" strike="noStrike">
-                <a:solidFill>
-                  <a:srgbClr val="000000"/>
-                </a:solidFill>
-                <a:latin typeface="Arial"/>
-              </a:rPr>
-              <a:t>Fourth Outline Level</a:t>
-            </a:r>
-            <a:endParaRPr b="0" lang="en-US" sz="2000" spc="-1" strike="noStrike">
-              <a:solidFill>
-                <a:srgbClr val="000000"/>
-              </a:solidFill>
-              <a:latin typeface="Arial"/>
-            </a:endParaRPr>
-          </a:p>
-          <a:p>
-            <a:pPr lvl="4" marL="2160000" indent="-216000">
-              <a:spcBef>
-                <a:spcPts val="283"/>
-              </a:spcBef>
-              <a:buClr>
-                <a:srgbClr val="000000"/>
-              </a:buClr>
-              <a:buSzPct val="45000"/>
-              <a:buFont typeface="Wingdings" charset="2"/>
-              <a:buChar char=""/>
-            </a:pPr>
-            <a:r>
-              <a:rPr b="0" lang="en-US" sz="2000" spc="-1" strike="noStrike">
-                <a:solidFill>
-                  <a:srgbClr val="000000"/>
-                </a:solidFill>
-                <a:latin typeface="Arial"/>
-              </a:rPr>
-              <a:t>Fifth Outline Level</a:t>
-            </a:r>
-            <a:endParaRPr b="0" lang="en-US" sz="2000" spc="-1" strike="noStrike">
-              <a:solidFill>
-                <a:srgbClr val="000000"/>
-              </a:solidFill>
-              <a:latin typeface="Arial"/>
-            </a:endParaRPr>
-          </a:p>
-          <a:p>
-            <a:pPr lvl="5" marL="2592000" indent="-216000">
-              <a:spcBef>
-                <a:spcPts val="283"/>
-              </a:spcBef>
-              <a:buClr>
-                <a:srgbClr val="000000"/>
-              </a:buClr>
-              <a:buSzPct val="45000"/>
-              <a:buFont typeface="Wingdings" charset="2"/>
-              <a:buChar char=""/>
-            </a:pPr>
-            <a:r>
-              <a:rPr b="0" lang="en-US" sz="2000" spc="-1" strike="noStrike">
-                <a:solidFill>
-                  <a:srgbClr val="000000"/>
-                </a:solidFill>
-                <a:latin typeface="Arial"/>
-              </a:rPr>
-              <a:t>Sixth Outline Level</a:t>
-            </a:r>
-            <a:endParaRPr b="0" lang="en-US" sz="2000" spc="-1" strike="noStrike">
-              <a:solidFill>
-                <a:srgbClr val="000000"/>
-              </a:solidFill>
-              <a:latin typeface="Arial"/>
-            </a:endParaRPr>
-          </a:p>
-          <a:p>
-            <a:pPr lvl="6" marL="3024000" indent="-216000">
-              <a:spcBef>
-                <a:spcPts val="283"/>
-              </a:spcBef>
-              <a:buClr>
-                <a:srgbClr val="000000"/>
-              </a:buClr>
-              <a:buSzPct val="45000"/>
-              <a:buFont typeface="Wingdings" charset="2"/>
-              <a:buChar char=""/>
-            </a:pPr>
-            <a:r>
-              <a:rPr b="0" lang="en-US" sz="2000" spc="-1" strike="noStrike">
-                <a:solidFill>
-                  <a:srgbClr val="000000"/>
-                </a:solidFill>
-                <a:latin typeface="Arial"/>
-              </a:rPr>
-              <a:t>Seventh Outline Level</a:t>
-            </a:r>
-            <a:endParaRPr b="0" lang="en-US" sz="2000" spc="-1" strike="noStrike">
-              <a:solidFill>
-                <a:srgbClr val="000000"/>
-              </a:solidFill>
-              <a:latin typeface="Arial"/>
-            </a:endParaRPr>
-          </a:p>
-        </p:txBody>
-      </p:sp>
-      <p:sp>
-        <p:nvSpPr>
-          <p:cNvPr id="46" name="PlaceHolder 3"/>
-          <p:cNvSpPr>
-            <a:spLocks noGrp="1"/>
-          </p:cNvSpPr>
-          <p:nvPr>
-            <p:ph type="sldNum" idx="12"/>
-          </p:nvPr>
-        </p:nvSpPr>
-        <p:spPr>
-          <a:xfrm>
-            <a:off x="6328800" y="9296280"/>
-            <a:ext cx="338760" cy="322920"/>
-          </a:xfrm>
-          <a:prstGeom prst="rect">
-            <a:avLst/>
-          </a:prstGeom>
-          <a:noFill/>
-          <a:ln w="12600">
-            <a:noFill/>
-          </a:ln>
-        </p:spPr>
-        <p:txBody>
-          <a:bodyPr lIns="50760" rIns="50760" tIns="50760" bIns="50760" anchor="t">
-            <a:noAutofit/>
-          </a:bodyPr>
-          <a:lstStyle>
-            <a:lvl1pPr indent="0">
-              <a:lnSpc>
-                <a:spcPct val="100000"/>
-              </a:lnSpc>
-              <a:buNone/>
-              <a:tabLst>
-                <a:tab algn="l" pos="0"/>
-              </a:tabLst>
-              <a:defRPr b="0" lang="pt-BR" sz="1400" spc="-1" strike="noStrike">
-                <a:solidFill>
-                  <a:srgbClr val="000000"/>
-                </a:solidFill>
-                <a:latin typeface="Times New Roman"/>
-              </a:defRPr>
-            </a:lvl1pPr>
-          </a:lstStyle>
-          <a:p>
-            <a:pPr indent="0">
-              <a:lnSpc>
-                <a:spcPct val="100000"/>
-              </a:lnSpc>
-              <a:buNone/>
-              <a:tabLst>
-                <a:tab algn="l" pos="0"/>
-              </a:tabLst>
-            </a:pPr>
-            <a:fld id="{F4943BEC-5706-4FC8-B52F-B3D2F60FDFEC}" type="slidenum">
-              <a:rPr b="0" lang="pt-BR" sz="1400" spc="-1" strike="noStrike">
-                <a:solidFill>
-                  <a:srgbClr val="000000"/>
-                </a:solidFill>
-                <a:latin typeface="Times New Roman"/>
-              </a:rPr>
-              <a:t>&lt;number&gt;</a:t>
-            </a:fld>
-            <a:endParaRPr b="0" lang="en-US" sz="1400" spc="-1" strike="noStrike">
-              <a:solidFill>
-                <a:srgbClr val="000000"/>
-              </a:solidFill>
-              <a:latin typeface="Times New Roman"/>
-            </a:endParaRPr>
-          </a:p>
-        </p:txBody>
-      </p:sp>
-    </p:spTree>
-  </p:cSld>
-  <p:clrMap bg1="lt1" bg2="lt2" tx1="dk1" tx2="dk2" accent1="accent1" accent2="accent2" accent3="accent3" accent4="accent4" accent5="accent5" accent6="accent6" hlink="hlink" folHlink="folHlink"/>
-  <p:sldLayoutIdLst/>
-</p:sldMaster>
-</file>
-
-<file path=ppt/slideMasters/slideMaster13.xml><?xml version="1.0" encoding="utf-8"?>
-<p:sldMaster xmlns:a="http://schemas.openxmlformats.org/drawingml/2006/main" xmlns:p="http://schemas.openxmlformats.org/presentationml/2006/main" xmlns:r="http://schemas.openxmlformats.org/officeDocument/2006/relationships" xmlns:p14="http://schemas.microsoft.com/office/powerpoint/2010/main" xmlns:p15="http://schemas.microsoft.com/office/powerpoint/2012/main" xmlns:mc="http://schemas.openxmlformats.org/markup-compatibility/2006">
-  <p:cSld>
-    <p:bg>
-      <p:bgPr>
-        <a:solidFill>
-          <a:srgbClr val="ffffff"/>
-        </a:solidFill>
-      </p:bgPr>
-    </p:bg>
-    <p:spTree>
-      <p:nvGrpSpPr>
-        <p:cNvPr id="1" name=""/>
-        <p:cNvGrpSpPr/>
-        <p:nvPr/>
-      </p:nvGrpSpPr>
-      <p:grpSpPr>
-        <a:xfrm>
-          <a:off x="0" y="0"/>
-          <a:ext cx="0" cy="0"/>
-          <a:chOff x="0" y="0"/>
-          <a:chExt cx="0" cy="0"/>
-        </a:xfrm>
-      </p:grpSpPr>
-      <p:sp>
-        <p:nvSpPr>
-          <p:cNvPr id="47" name="PlaceHolder 1"/>
-          <p:cNvSpPr>
-            <a:spLocks noGrp="1"/>
-          </p:cNvSpPr>
-          <p:nvPr>
-            <p:ph type="title"/>
-          </p:nvPr>
-        </p:nvSpPr>
-        <p:spPr>
-          <a:xfrm>
-            <a:off x="650160" y="389160"/>
-            <a:ext cx="11702520" cy="1627200"/>
-          </a:xfrm>
-          <a:prstGeom prst="rect">
-            <a:avLst/>
-          </a:prstGeom>
-          <a:noFill/>
-          <a:ln w="0">
-            <a:noFill/>
-          </a:ln>
-        </p:spPr>
-        <p:txBody>
-          <a:bodyPr lIns="0" rIns="0" tIns="0" bIns="0" anchor="ctr">
-            <a:noAutofit/>
-          </a:bodyPr>
-          <a:p>
-            <a:pPr indent="0" algn="ctr">
-              <a:buNone/>
-            </a:pPr>
-            <a:r>
-              <a:rPr b="0" lang="en-US" sz="4400" spc="-1" strike="noStrike">
-                <a:solidFill>
-                  <a:srgbClr val="000000"/>
-                </a:solidFill>
-                <a:latin typeface="Arial"/>
-              </a:rPr>
-              <a:t>Click to edit the title text format</a:t>
-            </a:r>
-            <a:endParaRPr b="0" lang="en-US" sz="4400" spc="-1" strike="noStrike">
-              <a:solidFill>
-                <a:srgbClr val="000000"/>
-              </a:solidFill>
-              <a:latin typeface="Arial"/>
-            </a:endParaRPr>
-          </a:p>
-        </p:txBody>
-      </p:sp>
-      <p:sp>
-        <p:nvSpPr>
-          <p:cNvPr id="48" name="PlaceHolder 2"/>
-          <p:cNvSpPr>
-            <a:spLocks noGrp="1"/>
-          </p:cNvSpPr>
-          <p:nvPr>
-            <p:ph type="body"/>
-          </p:nvPr>
-        </p:nvSpPr>
-        <p:spPr>
-          <a:xfrm>
-            <a:off x="650160" y="2282040"/>
-            <a:ext cx="11702520" cy="5655240"/>
-          </a:xfrm>
-          <a:prstGeom prst="rect">
-            <a:avLst/>
-          </a:prstGeom>
-          <a:noFill/>
-          <a:ln w="0">
-            <a:noFill/>
-          </a:ln>
-        </p:spPr>
-        <p:txBody>
-          <a:bodyPr lIns="0" rIns="0" tIns="0" bIns="0" anchor="t">
-            <a:normAutofit/>
-          </a:bodyPr>
-          <a:p>
-            <a:pPr marL="432000" indent="-324000">
-              <a:spcBef>
-                <a:spcPts val="1417"/>
-              </a:spcBef>
-              <a:buClr>
-                <a:srgbClr val="000000"/>
-              </a:buClr>
-              <a:buSzPct val="45000"/>
-              <a:buFont typeface="Wingdings" charset="2"/>
-              <a:buChar char=""/>
-            </a:pPr>
-            <a:r>
-              <a:rPr b="0" lang="en-US" sz="3200" spc="-1" strike="noStrike">
-                <a:solidFill>
-                  <a:srgbClr val="000000"/>
-                </a:solidFill>
-                <a:latin typeface="Arial"/>
-              </a:rPr>
-              <a:t>Click to edit the outline text format</a:t>
-            </a:r>
-            <a:endParaRPr b="0" lang="en-US" sz="3200" spc="-1" strike="noStrike">
-              <a:solidFill>
-                <a:srgbClr val="000000"/>
-              </a:solidFill>
-              <a:latin typeface="Arial"/>
-            </a:endParaRPr>
-          </a:p>
-          <a:p>
-            <a:pPr lvl="1" marL="864000" indent="-324000">
-              <a:spcBef>
-                <a:spcPts val="1134"/>
-              </a:spcBef>
-              <a:buClr>
-                <a:srgbClr val="000000"/>
-              </a:buClr>
-              <a:buSzPct val="75000"/>
-              <a:buFont typeface="Symbol" charset="2"/>
-              <a:buChar char=""/>
-            </a:pPr>
-            <a:r>
-              <a:rPr b="0" lang="en-US" sz="2800" spc="-1" strike="noStrike">
-                <a:solidFill>
-                  <a:srgbClr val="000000"/>
-                </a:solidFill>
-                <a:latin typeface="Arial"/>
-              </a:rPr>
-              <a:t>Second Outline Level</a:t>
-            </a:r>
-            <a:endParaRPr b="0" lang="en-US" sz="2800" spc="-1" strike="noStrike">
-              <a:solidFill>
-                <a:srgbClr val="000000"/>
-              </a:solidFill>
-              <a:latin typeface="Arial"/>
-            </a:endParaRPr>
-          </a:p>
-          <a:p>
-            <a:pPr lvl="2" marL="1296000" indent="-288000">
-              <a:spcBef>
-                <a:spcPts val="850"/>
-              </a:spcBef>
-              <a:buClr>
-                <a:srgbClr val="000000"/>
-              </a:buClr>
-              <a:buSzPct val="45000"/>
-              <a:buFont typeface="Wingdings" charset="2"/>
-              <a:buChar char=""/>
-            </a:pPr>
-            <a:r>
-              <a:rPr b="0" lang="en-US" sz="2400" spc="-1" strike="noStrike">
-                <a:solidFill>
-                  <a:srgbClr val="000000"/>
-                </a:solidFill>
-                <a:latin typeface="Arial"/>
-              </a:rPr>
-              <a:t>Third Outline Level</a:t>
-            </a:r>
-            <a:endParaRPr b="0" lang="en-US" sz="2400" spc="-1" strike="noStrike">
-              <a:solidFill>
-                <a:srgbClr val="000000"/>
-              </a:solidFill>
-              <a:latin typeface="Arial"/>
-            </a:endParaRPr>
-          </a:p>
-          <a:p>
-            <a:pPr lvl="3" marL="1728000" indent="-216000">
-              <a:spcBef>
-                <a:spcPts val="567"/>
-              </a:spcBef>
-              <a:buClr>
-                <a:srgbClr val="000000"/>
-              </a:buClr>
-              <a:buSzPct val="75000"/>
-              <a:buFont typeface="Symbol" charset="2"/>
-              <a:buChar char=""/>
-            </a:pPr>
-            <a:r>
-              <a:rPr b="0" lang="en-US" sz="2000" spc="-1" strike="noStrike">
-                <a:solidFill>
-                  <a:srgbClr val="000000"/>
-                </a:solidFill>
-                <a:latin typeface="Arial"/>
-              </a:rPr>
-              <a:t>Fourth Outline Level</a:t>
-            </a:r>
-            <a:endParaRPr b="0" lang="en-US" sz="2000" spc="-1" strike="noStrike">
-              <a:solidFill>
-                <a:srgbClr val="000000"/>
-              </a:solidFill>
-              <a:latin typeface="Arial"/>
-            </a:endParaRPr>
-          </a:p>
-          <a:p>
-            <a:pPr lvl="4" marL="2160000" indent="-216000">
-              <a:spcBef>
-                <a:spcPts val="283"/>
-              </a:spcBef>
-              <a:buClr>
-                <a:srgbClr val="000000"/>
-              </a:buClr>
-              <a:buSzPct val="45000"/>
-              <a:buFont typeface="Wingdings" charset="2"/>
-              <a:buChar char=""/>
-            </a:pPr>
-            <a:r>
-              <a:rPr b="0" lang="en-US" sz="2000" spc="-1" strike="noStrike">
-                <a:solidFill>
-                  <a:srgbClr val="000000"/>
-                </a:solidFill>
-                <a:latin typeface="Arial"/>
-              </a:rPr>
-              <a:t>Fifth Outline Level</a:t>
-            </a:r>
-            <a:endParaRPr b="0" lang="en-US" sz="2000" spc="-1" strike="noStrike">
-              <a:solidFill>
-                <a:srgbClr val="000000"/>
-              </a:solidFill>
-              <a:latin typeface="Arial"/>
-            </a:endParaRPr>
-          </a:p>
-          <a:p>
-            <a:pPr lvl="5" marL="2592000" indent="-216000">
-              <a:spcBef>
-                <a:spcPts val="283"/>
-              </a:spcBef>
-              <a:buClr>
-                <a:srgbClr val="000000"/>
-              </a:buClr>
-              <a:buSzPct val="45000"/>
-              <a:buFont typeface="Wingdings" charset="2"/>
-              <a:buChar char=""/>
-            </a:pPr>
-            <a:r>
-              <a:rPr b="0" lang="en-US" sz="2000" spc="-1" strike="noStrike">
-                <a:solidFill>
-                  <a:srgbClr val="000000"/>
-                </a:solidFill>
-                <a:latin typeface="Arial"/>
-              </a:rPr>
-              <a:t>Sixth Outline Level</a:t>
-            </a:r>
-            <a:endParaRPr b="0" lang="en-US" sz="2000" spc="-1" strike="noStrike">
-              <a:solidFill>
-                <a:srgbClr val="000000"/>
-              </a:solidFill>
-              <a:latin typeface="Arial"/>
-            </a:endParaRPr>
-          </a:p>
-          <a:p>
-            <a:pPr lvl="6" marL="3024000" indent="-216000">
-              <a:spcBef>
-                <a:spcPts val="283"/>
-              </a:spcBef>
-              <a:buClr>
-                <a:srgbClr val="000000"/>
-              </a:buClr>
-              <a:buSzPct val="45000"/>
-              <a:buFont typeface="Wingdings" charset="2"/>
-              <a:buChar char=""/>
-            </a:pPr>
-            <a:r>
-              <a:rPr b="0" lang="en-US" sz="2000" spc="-1" strike="noStrike">
-                <a:solidFill>
-                  <a:srgbClr val="000000"/>
-                </a:solidFill>
-                <a:latin typeface="Arial"/>
-              </a:rPr>
-              <a:t>Seventh Outline Level</a:t>
-            </a:r>
-            <a:endParaRPr b="0" lang="en-US" sz="2000" spc="-1" strike="noStrike">
-              <a:solidFill>
-                <a:srgbClr val="000000"/>
-              </a:solidFill>
-              <a:latin typeface="Arial"/>
-            </a:endParaRPr>
-          </a:p>
-        </p:txBody>
-      </p:sp>
-      <p:sp>
-        <p:nvSpPr>
-          <p:cNvPr id="49" name="PlaceHolder 3"/>
-          <p:cNvSpPr>
-            <a:spLocks noGrp="1"/>
-          </p:cNvSpPr>
-          <p:nvPr>
-            <p:ph type="sldNum" idx="13"/>
-          </p:nvPr>
-        </p:nvSpPr>
-        <p:spPr>
-          <a:xfrm>
-            <a:off x="6328800" y="9296280"/>
-            <a:ext cx="338760" cy="341640"/>
-          </a:xfrm>
-          <a:prstGeom prst="rect">
-            <a:avLst/>
-          </a:prstGeom>
-          <a:noFill/>
-          <a:ln w="12600">
-            <a:noFill/>
-          </a:ln>
-        </p:spPr>
-        <p:txBody>
-          <a:bodyPr lIns="50760" rIns="50760" tIns="50760" bIns="50760" anchor="t">
-            <a:noAutofit/>
-          </a:bodyPr>
-          <a:lstStyle>
-            <a:lvl1pPr indent="0">
-              <a:lnSpc>
-                <a:spcPct val="100000"/>
-              </a:lnSpc>
-              <a:buNone/>
-              <a:tabLst>
-                <a:tab algn="l" pos="0"/>
-              </a:tabLst>
-              <a:defRPr b="0" lang="pt-BR" sz="1400" spc="-1" strike="noStrike">
-                <a:solidFill>
-                  <a:srgbClr val="000000"/>
-                </a:solidFill>
-                <a:latin typeface="Times New Roman"/>
-              </a:defRPr>
-            </a:lvl1pPr>
-          </a:lstStyle>
-          <a:p>
-            <a:pPr indent="0">
-              <a:lnSpc>
-                <a:spcPct val="100000"/>
-              </a:lnSpc>
-              <a:buNone/>
-              <a:tabLst>
-                <a:tab algn="l" pos="0"/>
-              </a:tabLst>
-            </a:pPr>
-            <a:fld id="{2E561B9F-CA6D-4031-9A65-FE9DA9177ADB}" type="slidenum">
-              <a:rPr b="0" lang="pt-BR" sz="1400" spc="-1" strike="noStrike">
-                <a:solidFill>
-                  <a:srgbClr val="000000"/>
-                </a:solidFill>
-                <a:latin typeface="Times New Roman"/>
-              </a:rPr>
-              <a:t>&lt;number&gt;</a:t>
-            </a:fld>
-            <a:endParaRPr b="0" lang="en-US" sz="1400" spc="-1" strike="noStrike">
-              <a:solidFill>
-                <a:srgbClr val="000000"/>
-              </a:solidFill>
-              <a:latin typeface="Times New Roman"/>
-            </a:endParaRPr>
-          </a:p>
-        </p:txBody>
-      </p:sp>
-    </p:spTree>
-  </p:cSld>
-  <p:clrMap bg1="lt1" bg2="lt2" tx1="dk1" tx2="dk2" accent1="accent1" accent2="accent2" accent3="accent3" accent4="accent4" accent5="accent5" accent6="accent6" hlink="hlink" folHlink="folHlink"/>
-  <p:sldLayoutIdLst/>
-</p:sldMaster>
-</file>
-
-<file path=ppt/slideMasters/slideMaster14.xml><?xml version="1.0" encoding="utf-8"?>
-<p:sldMaster xmlns:a="http://schemas.openxmlformats.org/drawingml/2006/main" xmlns:p="http://schemas.openxmlformats.org/presentationml/2006/main" xmlns:r="http://schemas.openxmlformats.org/officeDocument/2006/relationships" xmlns:p14="http://schemas.microsoft.com/office/powerpoint/2010/main" xmlns:p15="http://schemas.microsoft.com/office/powerpoint/2012/main" xmlns:mc="http://schemas.openxmlformats.org/markup-compatibility/2006">
-  <p:cSld>
-    <p:bg>
-      <p:bgPr>
-        <a:solidFill>
-          <a:srgbClr val="ffffff"/>
-        </a:solidFill>
-      </p:bgPr>
-    </p:bg>
-    <p:spTree>
-      <p:nvGrpSpPr>
-        <p:cNvPr id="1" name=""/>
-        <p:cNvGrpSpPr/>
-        <p:nvPr/>
-      </p:nvGrpSpPr>
-      <p:grpSpPr>
-        <a:xfrm>
-          <a:off x="0" y="0"/>
-          <a:ext cx="0" cy="0"/>
-          <a:chOff x="0" y="0"/>
-          <a:chExt cx="0" cy="0"/>
-        </a:xfrm>
-      </p:grpSpPr>
-      <p:sp>
-        <p:nvSpPr>
-          <p:cNvPr id="50" name="PlaceHolder 1"/>
-          <p:cNvSpPr>
-            <a:spLocks noGrp="1"/>
-          </p:cNvSpPr>
-          <p:nvPr>
-            <p:ph type="title"/>
-          </p:nvPr>
-        </p:nvSpPr>
-        <p:spPr>
-          <a:xfrm>
-            <a:off x="650160" y="389160"/>
-            <a:ext cx="11702520" cy="1627200"/>
-          </a:xfrm>
-          <a:prstGeom prst="rect">
-            <a:avLst/>
-          </a:prstGeom>
-          <a:noFill/>
-          <a:ln w="0">
-            <a:noFill/>
-          </a:ln>
-        </p:spPr>
-        <p:txBody>
-          <a:bodyPr lIns="0" rIns="0" tIns="0" bIns="0" anchor="ctr">
-            <a:noAutofit/>
-          </a:bodyPr>
-          <a:p>
-            <a:pPr indent="0" algn="ctr">
-              <a:buNone/>
-            </a:pPr>
-            <a:r>
-              <a:rPr b="0" lang="en-US" sz="4400" spc="-1" strike="noStrike">
-                <a:solidFill>
-                  <a:srgbClr val="000000"/>
-                </a:solidFill>
-                <a:latin typeface="Arial"/>
-              </a:rPr>
-              <a:t>Click to edit the title text format</a:t>
-            </a:r>
-            <a:endParaRPr b="0" lang="en-US" sz="4400" spc="-1" strike="noStrike">
-              <a:solidFill>
-                <a:srgbClr val="000000"/>
-              </a:solidFill>
-              <a:latin typeface="Arial"/>
-            </a:endParaRPr>
-          </a:p>
-        </p:txBody>
-      </p:sp>
-      <p:sp>
-        <p:nvSpPr>
-          <p:cNvPr id="51" name="PlaceHolder 2"/>
-          <p:cNvSpPr>
-            <a:spLocks noGrp="1"/>
-          </p:cNvSpPr>
-          <p:nvPr>
-            <p:ph type="body"/>
-          </p:nvPr>
-        </p:nvSpPr>
-        <p:spPr>
-          <a:xfrm>
-            <a:off x="650160" y="2282040"/>
-            <a:ext cx="11702520" cy="5655240"/>
-          </a:xfrm>
-          <a:prstGeom prst="rect">
-            <a:avLst/>
-          </a:prstGeom>
-          <a:noFill/>
-          <a:ln w="0">
-            <a:noFill/>
-          </a:ln>
-        </p:spPr>
-        <p:txBody>
-          <a:bodyPr lIns="0" rIns="0" tIns="0" bIns="0" anchor="t">
-            <a:normAutofit/>
-          </a:bodyPr>
-          <a:p>
-            <a:pPr marL="432000" indent="-324000">
-              <a:spcBef>
-                <a:spcPts val="1417"/>
-              </a:spcBef>
-              <a:buClr>
-                <a:srgbClr val="000000"/>
-              </a:buClr>
-              <a:buSzPct val="45000"/>
-              <a:buFont typeface="Wingdings" charset="2"/>
-              <a:buChar char=""/>
-            </a:pPr>
-            <a:r>
-              <a:rPr b="0" lang="en-US" sz="3200" spc="-1" strike="noStrike">
-                <a:solidFill>
-                  <a:srgbClr val="000000"/>
-                </a:solidFill>
-                <a:latin typeface="Arial"/>
-              </a:rPr>
-              <a:t>Click to edit the outline text format</a:t>
-            </a:r>
-            <a:endParaRPr b="0" lang="en-US" sz="3200" spc="-1" strike="noStrike">
-              <a:solidFill>
-                <a:srgbClr val="000000"/>
-              </a:solidFill>
-              <a:latin typeface="Arial"/>
-            </a:endParaRPr>
-          </a:p>
-          <a:p>
-            <a:pPr lvl="1" marL="864000" indent="-324000">
-              <a:spcBef>
-                <a:spcPts val="1134"/>
-              </a:spcBef>
-              <a:buClr>
-                <a:srgbClr val="000000"/>
-              </a:buClr>
-              <a:buSzPct val="75000"/>
-              <a:buFont typeface="Symbol" charset="2"/>
-              <a:buChar char=""/>
-            </a:pPr>
-            <a:r>
-              <a:rPr b="0" lang="en-US" sz="2800" spc="-1" strike="noStrike">
-                <a:solidFill>
-                  <a:srgbClr val="000000"/>
-                </a:solidFill>
-                <a:latin typeface="Arial"/>
-              </a:rPr>
-              <a:t>Second Outline Level</a:t>
-            </a:r>
-            <a:endParaRPr b="0" lang="en-US" sz="2800" spc="-1" strike="noStrike">
-              <a:solidFill>
-                <a:srgbClr val="000000"/>
-              </a:solidFill>
-              <a:latin typeface="Arial"/>
-            </a:endParaRPr>
-          </a:p>
-          <a:p>
-            <a:pPr lvl="2" marL="1296000" indent="-288000">
-              <a:spcBef>
-                <a:spcPts val="850"/>
-              </a:spcBef>
-              <a:buClr>
-                <a:srgbClr val="000000"/>
-              </a:buClr>
-              <a:buSzPct val="45000"/>
-              <a:buFont typeface="Wingdings" charset="2"/>
-              <a:buChar char=""/>
-            </a:pPr>
-            <a:r>
-              <a:rPr b="0" lang="en-US" sz="2400" spc="-1" strike="noStrike">
-                <a:solidFill>
-                  <a:srgbClr val="000000"/>
-                </a:solidFill>
-                <a:latin typeface="Arial"/>
-              </a:rPr>
-              <a:t>Third Outline Level</a:t>
-            </a:r>
-            <a:endParaRPr b="0" lang="en-US" sz="2400" spc="-1" strike="noStrike">
-              <a:solidFill>
-                <a:srgbClr val="000000"/>
-              </a:solidFill>
-              <a:latin typeface="Arial"/>
-            </a:endParaRPr>
-          </a:p>
-          <a:p>
-            <a:pPr lvl="3" marL="1728000" indent="-216000">
-              <a:spcBef>
-                <a:spcPts val="567"/>
-              </a:spcBef>
-              <a:buClr>
-                <a:srgbClr val="000000"/>
-              </a:buClr>
-              <a:buSzPct val="75000"/>
-              <a:buFont typeface="Symbol" charset="2"/>
-              <a:buChar char=""/>
-            </a:pPr>
-            <a:r>
-              <a:rPr b="0" lang="en-US" sz="2000" spc="-1" strike="noStrike">
-                <a:solidFill>
-                  <a:srgbClr val="000000"/>
-                </a:solidFill>
-                <a:latin typeface="Arial"/>
-              </a:rPr>
-              <a:t>Fourth Outline Level</a:t>
-            </a:r>
-            <a:endParaRPr b="0" lang="en-US" sz="2000" spc="-1" strike="noStrike">
-              <a:solidFill>
-                <a:srgbClr val="000000"/>
-              </a:solidFill>
-              <a:latin typeface="Arial"/>
-            </a:endParaRPr>
-          </a:p>
-          <a:p>
-            <a:pPr lvl="4" marL="2160000" indent="-216000">
-              <a:spcBef>
-                <a:spcPts val="283"/>
-              </a:spcBef>
-              <a:buClr>
-                <a:srgbClr val="000000"/>
-              </a:buClr>
-              <a:buSzPct val="45000"/>
-              <a:buFont typeface="Wingdings" charset="2"/>
-              <a:buChar char=""/>
-            </a:pPr>
-            <a:r>
-              <a:rPr b="0" lang="en-US" sz="2000" spc="-1" strike="noStrike">
-                <a:solidFill>
-                  <a:srgbClr val="000000"/>
-                </a:solidFill>
-                <a:latin typeface="Arial"/>
-              </a:rPr>
-              <a:t>Fifth Outline Level</a:t>
-            </a:r>
-            <a:endParaRPr b="0" lang="en-US" sz="2000" spc="-1" strike="noStrike">
-              <a:solidFill>
-                <a:srgbClr val="000000"/>
-              </a:solidFill>
-              <a:latin typeface="Arial"/>
-            </a:endParaRPr>
-          </a:p>
-          <a:p>
-            <a:pPr lvl="5" marL="2592000" indent="-216000">
-              <a:spcBef>
-                <a:spcPts val="283"/>
-              </a:spcBef>
-              <a:buClr>
-                <a:srgbClr val="000000"/>
-              </a:buClr>
-              <a:buSzPct val="45000"/>
-              <a:buFont typeface="Wingdings" charset="2"/>
-              <a:buChar char=""/>
-            </a:pPr>
-            <a:r>
-              <a:rPr b="0" lang="en-US" sz="2000" spc="-1" strike="noStrike">
-                <a:solidFill>
-                  <a:srgbClr val="000000"/>
-                </a:solidFill>
-                <a:latin typeface="Arial"/>
-              </a:rPr>
-              <a:t>Sixth Outline Level</a:t>
-            </a:r>
-            <a:endParaRPr b="0" lang="en-US" sz="2000" spc="-1" strike="noStrike">
-              <a:solidFill>
-                <a:srgbClr val="000000"/>
-              </a:solidFill>
-              <a:latin typeface="Arial"/>
-            </a:endParaRPr>
-          </a:p>
-          <a:p>
-            <a:pPr lvl="6" marL="3024000" indent="-216000">
-              <a:spcBef>
-                <a:spcPts val="283"/>
-              </a:spcBef>
-              <a:buClr>
-                <a:srgbClr val="000000"/>
-              </a:buClr>
-              <a:buSzPct val="45000"/>
-              <a:buFont typeface="Wingdings" charset="2"/>
-              <a:buChar char=""/>
-            </a:pPr>
-            <a:r>
-              <a:rPr b="0" lang="en-US" sz="2000" spc="-1" strike="noStrike">
-                <a:solidFill>
-                  <a:srgbClr val="000000"/>
-                </a:solidFill>
-                <a:latin typeface="Arial"/>
-              </a:rPr>
-              <a:t>Seventh Outline Level</a:t>
-            </a:r>
-            <a:endParaRPr b="0" lang="en-US" sz="2000" spc="-1" strike="noStrike">
-              <a:solidFill>
-                <a:srgbClr val="000000"/>
-              </a:solidFill>
-              <a:latin typeface="Arial"/>
-            </a:endParaRPr>
-          </a:p>
-        </p:txBody>
-      </p:sp>
-      <p:sp>
-        <p:nvSpPr>
-          <p:cNvPr id="52" name="PlaceHolder 3"/>
-          <p:cNvSpPr>
-            <a:spLocks noGrp="1"/>
-          </p:cNvSpPr>
-          <p:nvPr>
-            <p:ph type="sldNum" idx="14"/>
-          </p:nvPr>
-        </p:nvSpPr>
-        <p:spPr>
-          <a:xfrm>
-            <a:off x="6328800" y="9296280"/>
-            <a:ext cx="338760" cy="341640"/>
-          </a:xfrm>
-          <a:prstGeom prst="rect">
-            <a:avLst/>
-          </a:prstGeom>
-          <a:noFill/>
-          <a:ln w="12600">
-            <a:noFill/>
-          </a:ln>
-        </p:spPr>
-        <p:txBody>
-          <a:bodyPr lIns="50760" rIns="50760" tIns="50760" bIns="50760" anchor="t">
-            <a:noAutofit/>
-          </a:bodyPr>
-          <a:lstStyle>
-            <a:lvl1pPr indent="0">
-              <a:lnSpc>
-                <a:spcPct val="100000"/>
-              </a:lnSpc>
-              <a:buNone/>
-              <a:tabLst>
-                <a:tab algn="l" pos="0"/>
-              </a:tabLst>
-              <a:defRPr b="0" lang="pt-BR" sz="1400" spc="-1" strike="noStrike">
-                <a:solidFill>
-                  <a:srgbClr val="000000"/>
-                </a:solidFill>
-                <a:latin typeface="Times New Roman"/>
-              </a:defRPr>
-            </a:lvl1pPr>
-          </a:lstStyle>
-          <a:p>
-            <a:pPr indent="0">
-              <a:lnSpc>
-                <a:spcPct val="100000"/>
-              </a:lnSpc>
-              <a:buNone/>
-              <a:tabLst>
-                <a:tab algn="l" pos="0"/>
-              </a:tabLst>
-            </a:pPr>
-            <a:fld id="{642E92E0-6FAB-401C-87C3-1D70067E1120}" type="slidenum">
-              <a:rPr b="0" lang="pt-BR" sz="1400" spc="-1" strike="noStrike">
-                <a:solidFill>
-                  <a:srgbClr val="000000"/>
-                </a:solidFill>
-                <a:latin typeface="Times New Roman"/>
-              </a:rPr>
-              <a:t>&lt;number&gt;</a:t>
-            </a:fld>
-            <a:endParaRPr b="0" lang="en-US" sz="1400" spc="-1" strike="noStrike">
-              <a:solidFill>
-                <a:srgbClr val="000000"/>
-              </a:solidFill>
-              <a:latin typeface="Times New Roman"/>
-            </a:endParaRPr>
-          </a:p>
-        </p:txBody>
-      </p:sp>
-    </p:spTree>
-  </p:cSld>
-  <p:clrMap bg1="lt1" bg2="lt2" tx1="dk1" tx2="dk2" accent1="accent1" accent2="accent2" accent3="accent3" accent4="accent4" accent5="accent5" accent6="accent6" hlink="hlink" folHlink="folHlink"/>
-  <p:sldLayoutIdLst/>
 </p:sldMaster>
 </file>
 
@@ -3076,7 +1183,7 @@
         <p:spPr>
           <a:xfrm>
             <a:off x="650160" y="389160"/>
-            <a:ext cx="11702520" cy="1627200"/>
+            <a:ext cx="11702160" cy="1626840"/>
           </a:xfrm>
           <a:prstGeom prst="rect">
             <a:avLst/>
@@ -3091,11 +1198,11 @@
             <a:noAutofit/>
           </a:bodyPr>
           <a:p>
-            <a:pPr indent="0" algn="ctr">
+            <a:pPr indent="0">
               <a:buNone/>
             </a:pPr>
             <a:r>
-              <a:rPr b="0" lang="en-US" sz="4400" spc="-1" strike="noStrike">
+              <a:rPr b="0" lang="en-US" sz="1800" spc="-1" strike="noStrike">
                 <a:solidFill>
                   <a:srgbClr val="000000"/>
                 </a:solidFill>
@@ -3103,7 +1210,7 @@
               </a:rPr>
               <a:t>Click to edit the title text format</a:t>
             </a:r>
-            <a:endParaRPr b="0" lang="en-US" sz="4400" spc="-1" strike="noStrike">
+            <a:endParaRPr b="0" lang="en-US" sz="1800" spc="-1" strike="noStrike">
               <a:solidFill>
                 <a:srgbClr val="000000"/>
               </a:solidFill>
@@ -3125,7 +1232,7 @@
         <p:spPr>
           <a:xfrm>
             <a:off x="650160" y="2282040"/>
-            <a:ext cx="11702520" cy="5655240"/>
+            <a:ext cx="11702160" cy="5654880"/>
           </a:xfrm>
           <a:prstGeom prst="rect">
             <a:avLst/>
@@ -3152,7 +1259,7 @@
               <a:buChar char=""/>
             </a:pPr>
             <a:r>
-              <a:rPr b="0" lang="en-US" sz="3200" spc="-1" strike="noStrike">
+              <a:rPr b="0" lang="en-US" sz="1800" spc="-1" strike="noStrike">
                 <a:solidFill>
                   <a:srgbClr val="000000"/>
                 </a:solidFill>
@@ -3160,7 +1267,7 @@
               </a:rPr>
               <a:t>Click to edit the outline text format</a:t>
             </a:r>
-            <a:endParaRPr b="0" lang="en-US" sz="3200" spc="-1" strike="noStrike">
+            <a:endParaRPr b="0" lang="en-US" sz="1800" spc="-1" strike="noStrike">
               <a:solidFill>
                 <a:srgbClr val="000000"/>
               </a:solidFill>
@@ -3180,7 +1287,7 @@
               <a:buChar char=""/>
             </a:pPr>
             <a:r>
-              <a:rPr b="0" lang="en-US" sz="2800" spc="-1" strike="noStrike">
+              <a:rPr b="0" lang="en-US" sz="1800" spc="-1" strike="noStrike">
                 <a:solidFill>
                   <a:srgbClr val="000000"/>
                 </a:solidFill>
@@ -3188,7 +1295,7 @@
               </a:rPr>
               <a:t>Second Outline Level</a:t>
             </a:r>
-            <a:endParaRPr b="0" lang="en-US" sz="2800" spc="-1" strike="noStrike">
+            <a:endParaRPr b="0" lang="en-US" sz="1800" spc="-1" strike="noStrike">
               <a:solidFill>
                 <a:srgbClr val="000000"/>
               </a:solidFill>
@@ -3208,7 +1315,7 @@
               <a:buChar char=""/>
             </a:pPr>
             <a:r>
-              <a:rPr b="0" lang="en-US" sz="2400" spc="-1" strike="noStrike">
+              <a:rPr b="0" lang="en-US" sz="1800" spc="-1" strike="noStrike">
                 <a:solidFill>
                   <a:srgbClr val="000000"/>
                 </a:solidFill>
@@ -3216,7 +1323,7 @@
               </a:rPr>
               <a:t>Third Outline Level</a:t>
             </a:r>
-            <a:endParaRPr b="0" lang="en-US" sz="2400" spc="-1" strike="noStrike">
+            <a:endParaRPr b="0" lang="en-US" sz="1800" spc="-1" strike="noStrike">
               <a:solidFill>
                 <a:srgbClr val="000000"/>
               </a:solidFill>
@@ -3236,7 +1343,7 @@
               <a:buChar char=""/>
             </a:pPr>
             <a:r>
-              <a:rPr b="0" lang="en-US" sz="2000" spc="-1" strike="noStrike">
+              <a:rPr b="0" lang="en-US" sz="1800" spc="-1" strike="noStrike">
                 <a:solidFill>
                   <a:srgbClr val="000000"/>
                 </a:solidFill>
@@ -3244,7 +1351,7 @@
               </a:rPr>
               <a:t>Fourth Outline Level</a:t>
             </a:r>
-            <a:endParaRPr b="0" lang="en-US" sz="2000" spc="-1" strike="noStrike">
+            <a:endParaRPr b="0" lang="en-US" sz="1800" spc="-1" strike="noStrike">
               <a:solidFill>
                 <a:srgbClr val="000000"/>
               </a:solidFill>
@@ -3264,7 +1371,7 @@
               <a:buChar char=""/>
             </a:pPr>
             <a:r>
-              <a:rPr b="0" lang="en-US" sz="2000" spc="-1" strike="noStrike">
+              <a:rPr b="0" lang="en-US" sz="1800" spc="-1" strike="noStrike">
                 <a:solidFill>
                   <a:srgbClr val="000000"/>
                 </a:solidFill>
@@ -3272,7 +1379,7 @@
               </a:rPr>
               <a:t>Fifth Outline Level</a:t>
             </a:r>
-            <a:endParaRPr b="0" lang="en-US" sz="2000" spc="-1" strike="noStrike">
+            <a:endParaRPr b="0" lang="en-US" sz="1800" spc="-1" strike="noStrike">
               <a:solidFill>
                 <a:srgbClr val="000000"/>
               </a:solidFill>
@@ -3292,7 +1399,7 @@
               <a:buChar char=""/>
             </a:pPr>
             <a:r>
-              <a:rPr b="0" lang="en-US" sz="2000" spc="-1" strike="noStrike">
+              <a:rPr b="0" lang="en-US" sz="1800" spc="-1" strike="noStrike">
                 <a:solidFill>
                   <a:srgbClr val="000000"/>
                 </a:solidFill>
@@ -3300,7 +1407,7 @@
               </a:rPr>
               <a:t>Sixth Outline Level</a:t>
             </a:r>
-            <a:endParaRPr b="0" lang="en-US" sz="2000" spc="-1" strike="noStrike">
+            <a:endParaRPr b="0" lang="en-US" sz="1800" spc="-1" strike="noStrike">
               <a:solidFill>
                 <a:srgbClr val="000000"/>
               </a:solidFill>
@@ -3320,7 +1427,7 @@
               <a:buChar char=""/>
             </a:pPr>
             <a:r>
-              <a:rPr b="0" lang="en-US" sz="2000" spc="-1" strike="noStrike">
+              <a:rPr b="0" lang="en-US" sz="1800" spc="-1" strike="noStrike">
                 <a:solidFill>
                   <a:srgbClr val="000000"/>
                 </a:solidFill>
@@ -3328,7 +1435,7 @@
               </a:rPr>
               <a:t>Seventh Outline Level</a:t>
             </a:r>
-            <a:endParaRPr b="0" lang="en-US" sz="2000" spc="-1" strike="noStrike">
+            <a:endParaRPr b="0" lang="en-US" sz="1800" spc="-1" strike="noStrike">
               <a:solidFill>
                 <a:srgbClr val="000000"/>
               </a:solidFill>
@@ -3350,7 +1457,7 @@
         <p:spPr>
           <a:xfrm>
             <a:off x="6328800" y="9296280"/>
-            <a:ext cx="338760" cy="322920"/>
+            <a:ext cx="338400" cy="322560"/>
           </a:xfrm>
           <a:prstGeom prst="rect">
             <a:avLst/>
@@ -3391,7 +1498,7 @@
                 <a:tab algn="l" pos="0"/>
               </a:tabLst>
             </a:pPr>
-            <a:fld id="{2D46A02A-FCD6-4DD2-825D-9BC18536076D}" type="slidenum">
+            <a:fld id="{5A9F79F4-47F8-4A14-A810-F42D86AF4999}" type="slidenum">
               <a:rPr b="0" lang="pt-BR" sz="1400" spc="-1" strike="noStrike">
                 <a:solidFill>
                   <a:srgbClr val="000000"/>
@@ -3455,7 +1562,7 @@
         <p:spPr>
           <a:xfrm>
             <a:off x="650160" y="389160"/>
-            <a:ext cx="11702520" cy="1627200"/>
+            <a:ext cx="11702160" cy="1626840"/>
           </a:xfrm>
           <a:prstGeom prst="rect">
             <a:avLst/>
@@ -3470,11 +1577,11 @@
             <a:noAutofit/>
           </a:bodyPr>
           <a:p>
-            <a:pPr indent="0" algn="ctr">
+            <a:pPr indent="0">
               <a:buNone/>
             </a:pPr>
             <a:r>
-              <a:rPr b="0" lang="en-US" sz="4400" spc="-1" strike="noStrike">
+              <a:rPr b="0" lang="en-US" sz="1800" spc="-1" strike="noStrike">
                 <a:solidFill>
                   <a:srgbClr val="000000"/>
                 </a:solidFill>
@@ -3482,7 +1589,7 @@
               </a:rPr>
               <a:t>Click to edit the title text format</a:t>
             </a:r>
-            <a:endParaRPr b="0" lang="en-US" sz="4400" spc="-1" strike="noStrike">
+            <a:endParaRPr b="0" lang="en-US" sz="1800" spc="-1" strike="noStrike">
               <a:solidFill>
                 <a:srgbClr val="000000"/>
               </a:solidFill>
@@ -3504,7 +1611,7 @@
         <p:spPr>
           <a:xfrm>
             <a:off x="650160" y="2282040"/>
-            <a:ext cx="11702520" cy="5655240"/>
+            <a:ext cx="11702160" cy="5654880"/>
           </a:xfrm>
           <a:prstGeom prst="rect">
             <a:avLst/>
@@ -3531,7 +1638,7 @@
               <a:buChar char=""/>
             </a:pPr>
             <a:r>
-              <a:rPr b="0" lang="en-US" sz="3200" spc="-1" strike="noStrike">
+              <a:rPr b="0" lang="en-US" sz="1800" spc="-1" strike="noStrike">
                 <a:solidFill>
                   <a:srgbClr val="000000"/>
                 </a:solidFill>
@@ -3539,7 +1646,7 @@
               </a:rPr>
               <a:t>Click to edit the outline text format</a:t>
             </a:r>
-            <a:endParaRPr b="0" lang="en-US" sz="3200" spc="-1" strike="noStrike">
+            <a:endParaRPr b="0" lang="en-US" sz="1800" spc="-1" strike="noStrike">
               <a:solidFill>
                 <a:srgbClr val="000000"/>
               </a:solidFill>
@@ -3559,7 +1666,7 @@
               <a:buChar char=""/>
             </a:pPr>
             <a:r>
-              <a:rPr b="0" lang="en-US" sz="2800" spc="-1" strike="noStrike">
+              <a:rPr b="0" lang="en-US" sz="1800" spc="-1" strike="noStrike">
                 <a:solidFill>
                   <a:srgbClr val="000000"/>
                 </a:solidFill>
@@ -3567,7 +1674,7 @@
               </a:rPr>
               <a:t>Second Outline Level</a:t>
             </a:r>
-            <a:endParaRPr b="0" lang="en-US" sz="2800" spc="-1" strike="noStrike">
+            <a:endParaRPr b="0" lang="en-US" sz="1800" spc="-1" strike="noStrike">
               <a:solidFill>
                 <a:srgbClr val="000000"/>
               </a:solidFill>
@@ -3587,7 +1694,7 @@
               <a:buChar char=""/>
             </a:pPr>
             <a:r>
-              <a:rPr b="0" lang="en-US" sz="2400" spc="-1" strike="noStrike">
+              <a:rPr b="0" lang="en-US" sz="1800" spc="-1" strike="noStrike">
                 <a:solidFill>
                   <a:srgbClr val="000000"/>
                 </a:solidFill>
@@ -3595,7 +1702,7 @@
               </a:rPr>
               <a:t>Third Outline Level</a:t>
             </a:r>
-            <a:endParaRPr b="0" lang="en-US" sz="2400" spc="-1" strike="noStrike">
+            <a:endParaRPr b="0" lang="en-US" sz="1800" spc="-1" strike="noStrike">
               <a:solidFill>
                 <a:srgbClr val="000000"/>
               </a:solidFill>
@@ -3615,7 +1722,7 @@
               <a:buChar char=""/>
             </a:pPr>
             <a:r>
-              <a:rPr b="0" lang="en-US" sz="2000" spc="-1" strike="noStrike">
+              <a:rPr b="0" lang="en-US" sz="1800" spc="-1" strike="noStrike">
                 <a:solidFill>
                   <a:srgbClr val="000000"/>
                 </a:solidFill>
@@ -3623,7 +1730,7 @@
               </a:rPr>
               <a:t>Fourth Outline Level</a:t>
             </a:r>
-            <a:endParaRPr b="0" lang="en-US" sz="2000" spc="-1" strike="noStrike">
+            <a:endParaRPr b="0" lang="en-US" sz="1800" spc="-1" strike="noStrike">
               <a:solidFill>
                 <a:srgbClr val="000000"/>
               </a:solidFill>
@@ -3643,7 +1750,7 @@
               <a:buChar char=""/>
             </a:pPr>
             <a:r>
-              <a:rPr b="0" lang="en-US" sz="2000" spc="-1" strike="noStrike">
+              <a:rPr b="0" lang="en-US" sz="1800" spc="-1" strike="noStrike">
                 <a:solidFill>
                   <a:srgbClr val="000000"/>
                 </a:solidFill>
@@ -3651,7 +1758,7 @@
               </a:rPr>
               <a:t>Fifth Outline Level</a:t>
             </a:r>
-            <a:endParaRPr b="0" lang="en-US" sz="2000" spc="-1" strike="noStrike">
+            <a:endParaRPr b="0" lang="en-US" sz="1800" spc="-1" strike="noStrike">
               <a:solidFill>
                 <a:srgbClr val="000000"/>
               </a:solidFill>
@@ -3671,7 +1778,7 @@
               <a:buChar char=""/>
             </a:pPr>
             <a:r>
-              <a:rPr b="0" lang="en-US" sz="2000" spc="-1" strike="noStrike">
+              <a:rPr b="0" lang="en-US" sz="1800" spc="-1" strike="noStrike">
                 <a:solidFill>
                   <a:srgbClr val="000000"/>
                 </a:solidFill>
@@ -3679,7 +1786,7 @@
               </a:rPr>
               <a:t>Sixth Outline Level</a:t>
             </a:r>
-            <a:endParaRPr b="0" lang="en-US" sz="2000" spc="-1" strike="noStrike">
+            <a:endParaRPr b="0" lang="en-US" sz="1800" spc="-1" strike="noStrike">
               <a:solidFill>
                 <a:srgbClr val="000000"/>
               </a:solidFill>
@@ -3699,7 +1806,7 @@
               <a:buChar char=""/>
             </a:pPr>
             <a:r>
-              <a:rPr b="0" lang="en-US" sz="2000" spc="-1" strike="noStrike">
+              <a:rPr b="0" lang="en-US" sz="1800" spc="-1" strike="noStrike">
                 <a:solidFill>
                   <a:srgbClr val="000000"/>
                 </a:solidFill>
@@ -3707,7 +1814,7 @@
               </a:rPr>
               <a:t>Seventh Outline Level</a:t>
             </a:r>
-            <a:endParaRPr b="0" lang="en-US" sz="2000" spc="-1" strike="noStrike">
+            <a:endParaRPr b="0" lang="en-US" sz="1800" spc="-1" strike="noStrike">
               <a:solidFill>
                 <a:srgbClr val="000000"/>
               </a:solidFill>
@@ -3729,7 +1836,7 @@
         <p:spPr>
           <a:xfrm>
             <a:off x="6328800" y="9296280"/>
-            <a:ext cx="338760" cy="322920"/>
+            <a:ext cx="338400" cy="322560"/>
           </a:xfrm>
           <a:prstGeom prst="rect">
             <a:avLst/>
@@ -3770,7 +1877,7 @@
                 <a:tab algn="l" pos="0"/>
               </a:tabLst>
             </a:pPr>
-            <a:fld id="{9757972B-F890-43B3-9602-62506EDDF2C0}" type="slidenum">
+            <a:fld id="{865490F0-C533-4DE6-9BBB-E535185CBA3F}" type="slidenum">
               <a:rPr b="0" lang="pt-BR" sz="1400" spc="-1" strike="noStrike">
                 <a:solidFill>
                   <a:srgbClr val="000000"/>
@@ -3834,7 +1941,7 @@
         <p:spPr>
           <a:xfrm>
             <a:off x="650160" y="389160"/>
-            <a:ext cx="11702520" cy="1627200"/>
+            <a:ext cx="11702160" cy="1626840"/>
           </a:xfrm>
           <a:prstGeom prst="rect">
             <a:avLst/>
@@ -3849,11 +1956,11 @@
             <a:noAutofit/>
           </a:bodyPr>
           <a:p>
-            <a:pPr indent="0" algn="ctr">
+            <a:pPr indent="0">
               <a:buNone/>
             </a:pPr>
             <a:r>
-              <a:rPr b="0" lang="en-US" sz="4400" spc="-1" strike="noStrike">
+              <a:rPr b="0" lang="en-US" sz="1800" spc="-1" strike="noStrike">
                 <a:solidFill>
                   <a:srgbClr val="000000"/>
                 </a:solidFill>
@@ -3861,7 +1968,7 @@
               </a:rPr>
               <a:t>Click to edit the title text format</a:t>
             </a:r>
-            <a:endParaRPr b="0" lang="en-US" sz="4400" spc="-1" strike="noStrike">
+            <a:endParaRPr b="0" lang="en-US" sz="1800" spc="-1" strike="noStrike">
               <a:solidFill>
                 <a:srgbClr val="000000"/>
               </a:solidFill>
@@ -3883,7 +1990,7 @@
         <p:spPr>
           <a:xfrm>
             <a:off x="650160" y="2282040"/>
-            <a:ext cx="11702520" cy="5655240"/>
+            <a:ext cx="11702160" cy="5654880"/>
           </a:xfrm>
           <a:prstGeom prst="rect">
             <a:avLst/>
@@ -3910,7 +2017,7 @@
               <a:buChar char=""/>
             </a:pPr>
             <a:r>
-              <a:rPr b="0" lang="en-US" sz="3200" spc="-1" strike="noStrike">
+              <a:rPr b="0" lang="en-US" sz="1800" spc="-1" strike="noStrike">
                 <a:solidFill>
                   <a:srgbClr val="000000"/>
                 </a:solidFill>
@@ -3918,7 +2025,7 @@
               </a:rPr>
               <a:t>Click to edit the outline text format</a:t>
             </a:r>
-            <a:endParaRPr b="0" lang="en-US" sz="3200" spc="-1" strike="noStrike">
+            <a:endParaRPr b="0" lang="en-US" sz="1800" spc="-1" strike="noStrike">
               <a:solidFill>
                 <a:srgbClr val="000000"/>
               </a:solidFill>
@@ -3938,7 +2045,7 @@
               <a:buChar char=""/>
             </a:pPr>
             <a:r>
-              <a:rPr b="0" lang="en-US" sz="2800" spc="-1" strike="noStrike">
+              <a:rPr b="0" lang="en-US" sz="1800" spc="-1" strike="noStrike">
                 <a:solidFill>
                   <a:srgbClr val="000000"/>
                 </a:solidFill>
@@ -3946,7 +2053,7 @@
               </a:rPr>
               <a:t>Second Outline Level</a:t>
             </a:r>
-            <a:endParaRPr b="0" lang="en-US" sz="2800" spc="-1" strike="noStrike">
+            <a:endParaRPr b="0" lang="en-US" sz="1800" spc="-1" strike="noStrike">
               <a:solidFill>
                 <a:srgbClr val="000000"/>
               </a:solidFill>
@@ -3966,7 +2073,7 @@
               <a:buChar char=""/>
             </a:pPr>
             <a:r>
-              <a:rPr b="0" lang="en-US" sz="2400" spc="-1" strike="noStrike">
+              <a:rPr b="0" lang="en-US" sz="1800" spc="-1" strike="noStrike">
                 <a:solidFill>
                   <a:srgbClr val="000000"/>
                 </a:solidFill>
@@ -3974,7 +2081,7 @@
               </a:rPr>
               <a:t>Third Outline Level</a:t>
             </a:r>
-            <a:endParaRPr b="0" lang="en-US" sz="2400" spc="-1" strike="noStrike">
+            <a:endParaRPr b="0" lang="en-US" sz="1800" spc="-1" strike="noStrike">
               <a:solidFill>
                 <a:srgbClr val="000000"/>
               </a:solidFill>
@@ -3994,7 +2101,7 @@
               <a:buChar char=""/>
             </a:pPr>
             <a:r>
-              <a:rPr b="0" lang="en-US" sz="2000" spc="-1" strike="noStrike">
+              <a:rPr b="0" lang="en-US" sz="1800" spc="-1" strike="noStrike">
                 <a:solidFill>
                   <a:srgbClr val="000000"/>
                 </a:solidFill>
@@ -4002,7 +2109,7 @@
               </a:rPr>
               <a:t>Fourth Outline Level</a:t>
             </a:r>
-            <a:endParaRPr b="0" lang="en-US" sz="2000" spc="-1" strike="noStrike">
+            <a:endParaRPr b="0" lang="en-US" sz="1800" spc="-1" strike="noStrike">
               <a:solidFill>
                 <a:srgbClr val="000000"/>
               </a:solidFill>
@@ -4022,7 +2129,7 @@
               <a:buChar char=""/>
             </a:pPr>
             <a:r>
-              <a:rPr b="0" lang="en-US" sz="2000" spc="-1" strike="noStrike">
+              <a:rPr b="0" lang="en-US" sz="1800" spc="-1" strike="noStrike">
                 <a:solidFill>
                   <a:srgbClr val="000000"/>
                 </a:solidFill>
@@ -4030,7 +2137,7 @@
               </a:rPr>
               <a:t>Fifth Outline Level</a:t>
             </a:r>
-            <a:endParaRPr b="0" lang="en-US" sz="2000" spc="-1" strike="noStrike">
+            <a:endParaRPr b="0" lang="en-US" sz="1800" spc="-1" strike="noStrike">
               <a:solidFill>
                 <a:srgbClr val="000000"/>
               </a:solidFill>
@@ -4050,7 +2157,7 @@
               <a:buChar char=""/>
             </a:pPr>
             <a:r>
-              <a:rPr b="0" lang="en-US" sz="2000" spc="-1" strike="noStrike">
+              <a:rPr b="0" lang="en-US" sz="1800" spc="-1" strike="noStrike">
                 <a:solidFill>
                   <a:srgbClr val="000000"/>
                 </a:solidFill>
@@ -4058,7 +2165,7 @@
               </a:rPr>
               <a:t>Sixth Outline Level</a:t>
             </a:r>
-            <a:endParaRPr b="0" lang="en-US" sz="2000" spc="-1" strike="noStrike">
+            <a:endParaRPr b="0" lang="en-US" sz="1800" spc="-1" strike="noStrike">
               <a:solidFill>
                 <a:srgbClr val="000000"/>
               </a:solidFill>
@@ -4078,7 +2185,7 @@
               <a:buChar char=""/>
             </a:pPr>
             <a:r>
-              <a:rPr b="0" lang="en-US" sz="2000" spc="-1" strike="noStrike">
+              <a:rPr b="0" lang="en-US" sz="1800" spc="-1" strike="noStrike">
                 <a:solidFill>
                   <a:srgbClr val="000000"/>
                 </a:solidFill>
@@ -4086,7 +2193,7 @@
               </a:rPr>
               <a:t>Seventh Outline Level</a:t>
             </a:r>
-            <a:endParaRPr b="0" lang="en-US" sz="2000" spc="-1" strike="noStrike">
+            <a:endParaRPr b="0" lang="en-US" sz="1800" spc="-1" strike="noStrike">
               <a:solidFill>
                 <a:srgbClr val="000000"/>
               </a:solidFill>
@@ -4108,7 +2215,7 @@
         <p:spPr>
           <a:xfrm>
             <a:off x="6328800" y="9296280"/>
-            <a:ext cx="338760" cy="322920"/>
+            <a:ext cx="338400" cy="322560"/>
           </a:xfrm>
           <a:prstGeom prst="rect">
             <a:avLst/>
@@ -4149,7 +2256,7 @@
                 <a:tab algn="l" pos="0"/>
               </a:tabLst>
             </a:pPr>
-            <a:fld id="{8FD8153C-12F1-41C9-BDD5-625430269691}" type="slidenum">
+            <a:fld id="{F4A9EF0D-B7CC-47CA-8858-BB15C25871B0}" type="slidenum">
               <a:rPr b="0" lang="pt-BR" sz="1400" spc="-1" strike="noStrike">
                 <a:solidFill>
                   <a:srgbClr val="000000"/>
@@ -4213,7 +2320,7 @@
         <p:spPr>
           <a:xfrm>
             <a:off x="650160" y="389160"/>
-            <a:ext cx="11702520" cy="1627200"/>
+            <a:ext cx="11702160" cy="1626840"/>
           </a:xfrm>
           <a:prstGeom prst="rect">
             <a:avLst/>
@@ -4228,11 +2335,11 @@
             <a:noAutofit/>
           </a:bodyPr>
           <a:p>
-            <a:pPr indent="0" algn="ctr">
+            <a:pPr indent="0">
               <a:buNone/>
             </a:pPr>
             <a:r>
-              <a:rPr b="0" lang="en-US" sz="4400" spc="-1" strike="noStrike">
+              <a:rPr b="0" lang="en-US" sz="1800" spc="-1" strike="noStrike">
                 <a:solidFill>
                   <a:srgbClr val="000000"/>
                 </a:solidFill>
@@ -4240,7 +2347,7 @@
               </a:rPr>
               <a:t>Click to edit the title text format</a:t>
             </a:r>
-            <a:endParaRPr b="0" lang="en-US" sz="4400" spc="-1" strike="noStrike">
+            <a:endParaRPr b="0" lang="en-US" sz="1800" spc="-1" strike="noStrike">
               <a:solidFill>
                 <a:srgbClr val="000000"/>
               </a:solidFill>
@@ -4262,7 +2369,7 @@
         <p:spPr>
           <a:xfrm>
             <a:off x="650160" y="2282040"/>
-            <a:ext cx="11702520" cy="5655240"/>
+            <a:ext cx="11702160" cy="5654880"/>
           </a:xfrm>
           <a:prstGeom prst="rect">
             <a:avLst/>
@@ -4289,7 +2396,7 @@
               <a:buChar char=""/>
             </a:pPr>
             <a:r>
-              <a:rPr b="0" lang="en-US" sz="3200" spc="-1" strike="noStrike">
+              <a:rPr b="0" lang="en-US" sz="1800" spc="-1" strike="noStrike">
                 <a:solidFill>
                   <a:srgbClr val="000000"/>
                 </a:solidFill>
@@ -4297,7 +2404,7 @@
               </a:rPr>
               <a:t>Click to edit the outline text format</a:t>
             </a:r>
-            <a:endParaRPr b="0" lang="en-US" sz="3200" spc="-1" strike="noStrike">
+            <a:endParaRPr b="0" lang="en-US" sz="1800" spc="-1" strike="noStrike">
               <a:solidFill>
                 <a:srgbClr val="000000"/>
               </a:solidFill>
@@ -4317,7 +2424,7 @@
               <a:buChar char=""/>
             </a:pPr>
             <a:r>
-              <a:rPr b="0" lang="en-US" sz="2800" spc="-1" strike="noStrike">
+              <a:rPr b="0" lang="en-US" sz="1800" spc="-1" strike="noStrike">
                 <a:solidFill>
                   <a:srgbClr val="000000"/>
                 </a:solidFill>
@@ -4325,7 +2432,7 @@
               </a:rPr>
               <a:t>Second Outline Level</a:t>
             </a:r>
-            <a:endParaRPr b="0" lang="en-US" sz="2800" spc="-1" strike="noStrike">
+            <a:endParaRPr b="0" lang="en-US" sz="1800" spc="-1" strike="noStrike">
               <a:solidFill>
                 <a:srgbClr val="000000"/>
               </a:solidFill>
@@ -4345,7 +2452,7 @@
               <a:buChar char=""/>
             </a:pPr>
             <a:r>
-              <a:rPr b="0" lang="en-US" sz="2400" spc="-1" strike="noStrike">
+              <a:rPr b="0" lang="en-US" sz="1800" spc="-1" strike="noStrike">
                 <a:solidFill>
                   <a:srgbClr val="000000"/>
                 </a:solidFill>
@@ -4353,7 +2460,7 @@
               </a:rPr>
               <a:t>Third Outline Level</a:t>
             </a:r>
-            <a:endParaRPr b="0" lang="en-US" sz="2400" spc="-1" strike="noStrike">
+            <a:endParaRPr b="0" lang="en-US" sz="1800" spc="-1" strike="noStrike">
               <a:solidFill>
                 <a:srgbClr val="000000"/>
               </a:solidFill>
@@ -4373,7 +2480,7 @@
               <a:buChar char=""/>
             </a:pPr>
             <a:r>
-              <a:rPr b="0" lang="en-US" sz="2000" spc="-1" strike="noStrike">
+              <a:rPr b="0" lang="en-US" sz="1800" spc="-1" strike="noStrike">
                 <a:solidFill>
                   <a:srgbClr val="000000"/>
                 </a:solidFill>
@@ -4381,7 +2488,7 @@
               </a:rPr>
               <a:t>Fourth Outline Level</a:t>
             </a:r>
-            <a:endParaRPr b="0" lang="en-US" sz="2000" spc="-1" strike="noStrike">
+            <a:endParaRPr b="0" lang="en-US" sz="1800" spc="-1" strike="noStrike">
               <a:solidFill>
                 <a:srgbClr val="000000"/>
               </a:solidFill>
@@ -4401,7 +2508,7 @@
               <a:buChar char=""/>
             </a:pPr>
             <a:r>
-              <a:rPr b="0" lang="en-US" sz="2000" spc="-1" strike="noStrike">
+              <a:rPr b="0" lang="en-US" sz="1800" spc="-1" strike="noStrike">
                 <a:solidFill>
                   <a:srgbClr val="000000"/>
                 </a:solidFill>
@@ -4409,7 +2516,7 @@
               </a:rPr>
               <a:t>Fifth Outline Level</a:t>
             </a:r>
-            <a:endParaRPr b="0" lang="en-US" sz="2000" spc="-1" strike="noStrike">
+            <a:endParaRPr b="0" lang="en-US" sz="1800" spc="-1" strike="noStrike">
               <a:solidFill>
                 <a:srgbClr val="000000"/>
               </a:solidFill>
@@ -4429,7 +2536,7 @@
               <a:buChar char=""/>
             </a:pPr>
             <a:r>
-              <a:rPr b="0" lang="en-US" sz="2000" spc="-1" strike="noStrike">
+              <a:rPr b="0" lang="en-US" sz="1800" spc="-1" strike="noStrike">
                 <a:solidFill>
                   <a:srgbClr val="000000"/>
                 </a:solidFill>
@@ -4437,7 +2544,7 @@
               </a:rPr>
               <a:t>Sixth Outline Level</a:t>
             </a:r>
-            <a:endParaRPr b="0" lang="en-US" sz="2000" spc="-1" strike="noStrike">
+            <a:endParaRPr b="0" lang="en-US" sz="1800" spc="-1" strike="noStrike">
               <a:solidFill>
                 <a:srgbClr val="000000"/>
               </a:solidFill>
@@ -4457,7 +2564,7 @@
               <a:buChar char=""/>
             </a:pPr>
             <a:r>
-              <a:rPr b="0" lang="en-US" sz="2000" spc="-1" strike="noStrike">
+              <a:rPr b="0" lang="en-US" sz="1800" spc="-1" strike="noStrike">
                 <a:solidFill>
                   <a:srgbClr val="000000"/>
                 </a:solidFill>
@@ -4465,7 +2572,7 @@
               </a:rPr>
               <a:t>Seventh Outline Level</a:t>
             </a:r>
-            <a:endParaRPr b="0" lang="en-US" sz="2000" spc="-1" strike="noStrike">
+            <a:endParaRPr b="0" lang="en-US" sz="1800" spc="-1" strike="noStrike">
               <a:solidFill>
                 <a:srgbClr val="000000"/>
               </a:solidFill>
@@ -4487,7 +2594,7 @@
         <p:spPr>
           <a:xfrm>
             <a:off x="6328800" y="9296280"/>
-            <a:ext cx="338760" cy="322920"/>
+            <a:ext cx="338400" cy="322560"/>
           </a:xfrm>
           <a:prstGeom prst="rect">
             <a:avLst/>
@@ -4528,7 +2635,7 @@
                 <a:tab algn="l" pos="0"/>
               </a:tabLst>
             </a:pPr>
-            <a:fld id="{1E462490-D16B-4D4C-8508-46DF202EBF56}" type="slidenum">
+            <a:fld id="{5BFCAEC9-25F1-49DF-B94E-CF2C65889076}" type="slidenum">
               <a:rPr b="0" lang="pt-BR" sz="1400" spc="-1" strike="noStrike">
                 <a:solidFill>
                   <a:srgbClr val="000000"/>
@@ -4592,7 +2699,7 @@
         <p:spPr>
           <a:xfrm>
             <a:off x="650160" y="389160"/>
-            <a:ext cx="11702520" cy="1627200"/>
+            <a:ext cx="11702160" cy="1626840"/>
           </a:xfrm>
           <a:prstGeom prst="rect">
             <a:avLst/>
@@ -4607,11 +2714,11 @@
             <a:noAutofit/>
           </a:bodyPr>
           <a:p>
-            <a:pPr indent="0" algn="ctr">
+            <a:pPr indent="0">
               <a:buNone/>
             </a:pPr>
             <a:r>
-              <a:rPr b="0" lang="en-US" sz="4400" spc="-1" strike="noStrike">
+              <a:rPr b="0" lang="en-US" sz="1800" spc="-1" strike="noStrike">
                 <a:solidFill>
                   <a:srgbClr val="000000"/>
                 </a:solidFill>
@@ -4619,7 +2726,7 @@
               </a:rPr>
               <a:t>Click to edit the title text format</a:t>
             </a:r>
-            <a:endParaRPr b="0" lang="en-US" sz="4400" spc="-1" strike="noStrike">
+            <a:endParaRPr b="0" lang="en-US" sz="1800" spc="-1" strike="noStrike">
               <a:solidFill>
                 <a:srgbClr val="000000"/>
               </a:solidFill>
@@ -4641,7 +2748,7 @@
         <p:spPr>
           <a:xfrm>
             <a:off x="650160" y="2282040"/>
-            <a:ext cx="11702520" cy="5655240"/>
+            <a:ext cx="11702160" cy="5654880"/>
           </a:xfrm>
           <a:prstGeom prst="rect">
             <a:avLst/>
@@ -4668,7 +2775,7 @@
               <a:buChar char=""/>
             </a:pPr>
             <a:r>
-              <a:rPr b="0" lang="en-US" sz="3200" spc="-1" strike="noStrike">
+              <a:rPr b="0" lang="en-US" sz="1800" spc="-1" strike="noStrike">
                 <a:solidFill>
                   <a:srgbClr val="000000"/>
                 </a:solidFill>
@@ -4676,7 +2783,7 @@
               </a:rPr>
               <a:t>Click to edit the outline text format</a:t>
             </a:r>
-            <a:endParaRPr b="0" lang="en-US" sz="3200" spc="-1" strike="noStrike">
+            <a:endParaRPr b="0" lang="en-US" sz="1800" spc="-1" strike="noStrike">
               <a:solidFill>
                 <a:srgbClr val="000000"/>
               </a:solidFill>
@@ -4696,7 +2803,7 @@
               <a:buChar char=""/>
             </a:pPr>
             <a:r>
-              <a:rPr b="0" lang="en-US" sz="2800" spc="-1" strike="noStrike">
+              <a:rPr b="0" lang="en-US" sz="1800" spc="-1" strike="noStrike">
                 <a:solidFill>
                   <a:srgbClr val="000000"/>
                 </a:solidFill>
@@ -4704,7 +2811,7 @@
               </a:rPr>
               <a:t>Second Outline Level</a:t>
             </a:r>
-            <a:endParaRPr b="0" lang="en-US" sz="2800" spc="-1" strike="noStrike">
+            <a:endParaRPr b="0" lang="en-US" sz="1800" spc="-1" strike="noStrike">
               <a:solidFill>
                 <a:srgbClr val="000000"/>
               </a:solidFill>
@@ -4724,7 +2831,7 @@
               <a:buChar char=""/>
             </a:pPr>
             <a:r>
-              <a:rPr b="0" lang="en-US" sz="2400" spc="-1" strike="noStrike">
+              <a:rPr b="0" lang="en-US" sz="1800" spc="-1" strike="noStrike">
                 <a:solidFill>
                   <a:srgbClr val="000000"/>
                 </a:solidFill>
@@ -4732,7 +2839,7 @@
               </a:rPr>
               <a:t>Third Outline Level</a:t>
             </a:r>
-            <a:endParaRPr b="0" lang="en-US" sz="2400" spc="-1" strike="noStrike">
+            <a:endParaRPr b="0" lang="en-US" sz="1800" spc="-1" strike="noStrike">
               <a:solidFill>
                 <a:srgbClr val="000000"/>
               </a:solidFill>
@@ -4752,7 +2859,7 @@
               <a:buChar char=""/>
             </a:pPr>
             <a:r>
-              <a:rPr b="0" lang="en-US" sz="2000" spc="-1" strike="noStrike">
+              <a:rPr b="0" lang="en-US" sz="1800" spc="-1" strike="noStrike">
                 <a:solidFill>
                   <a:srgbClr val="000000"/>
                 </a:solidFill>
@@ -4760,7 +2867,7 @@
               </a:rPr>
               <a:t>Fourth Outline Level</a:t>
             </a:r>
-            <a:endParaRPr b="0" lang="en-US" sz="2000" spc="-1" strike="noStrike">
+            <a:endParaRPr b="0" lang="en-US" sz="1800" spc="-1" strike="noStrike">
               <a:solidFill>
                 <a:srgbClr val="000000"/>
               </a:solidFill>
@@ -4780,7 +2887,7 @@
               <a:buChar char=""/>
             </a:pPr>
             <a:r>
-              <a:rPr b="0" lang="en-US" sz="2000" spc="-1" strike="noStrike">
+              <a:rPr b="0" lang="en-US" sz="1800" spc="-1" strike="noStrike">
                 <a:solidFill>
                   <a:srgbClr val="000000"/>
                 </a:solidFill>
@@ -4788,7 +2895,7 @@
               </a:rPr>
               <a:t>Fifth Outline Level</a:t>
             </a:r>
-            <a:endParaRPr b="0" lang="en-US" sz="2000" spc="-1" strike="noStrike">
+            <a:endParaRPr b="0" lang="en-US" sz="1800" spc="-1" strike="noStrike">
               <a:solidFill>
                 <a:srgbClr val="000000"/>
               </a:solidFill>
@@ -4808,7 +2915,7 @@
               <a:buChar char=""/>
             </a:pPr>
             <a:r>
-              <a:rPr b="0" lang="en-US" sz="2000" spc="-1" strike="noStrike">
+              <a:rPr b="0" lang="en-US" sz="1800" spc="-1" strike="noStrike">
                 <a:solidFill>
                   <a:srgbClr val="000000"/>
                 </a:solidFill>
@@ -4816,7 +2923,7 @@
               </a:rPr>
               <a:t>Sixth Outline Level</a:t>
             </a:r>
-            <a:endParaRPr b="0" lang="en-US" sz="2000" spc="-1" strike="noStrike">
+            <a:endParaRPr b="0" lang="en-US" sz="1800" spc="-1" strike="noStrike">
               <a:solidFill>
                 <a:srgbClr val="000000"/>
               </a:solidFill>
@@ -4836,7 +2943,7 @@
               <a:buChar char=""/>
             </a:pPr>
             <a:r>
-              <a:rPr b="0" lang="en-US" sz="2000" spc="-1" strike="noStrike">
+              <a:rPr b="0" lang="en-US" sz="1800" spc="-1" strike="noStrike">
                 <a:solidFill>
                   <a:srgbClr val="000000"/>
                 </a:solidFill>
@@ -4844,7 +2951,7 @@
               </a:rPr>
               <a:t>Seventh Outline Level</a:t>
             </a:r>
-            <a:endParaRPr b="0" lang="en-US" sz="2000" spc="-1" strike="noStrike">
+            <a:endParaRPr b="0" lang="en-US" sz="1800" spc="-1" strike="noStrike">
               <a:solidFill>
                 <a:srgbClr val="000000"/>
               </a:solidFill>
@@ -4866,7 +2973,7 @@
         <p:spPr>
           <a:xfrm>
             <a:off x="6328800" y="9296280"/>
-            <a:ext cx="338760" cy="322920"/>
+            <a:ext cx="338400" cy="322560"/>
           </a:xfrm>
           <a:prstGeom prst="rect">
             <a:avLst/>
@@ -4907,7 +3014,7 @@
                 <a:tab algn="l" pos="0"/>
               </a:tabLst>
             </a:pPr>
-            <a:fld id="{4A1FA4DE-C657-4405-BDCA-17855BB3F833}" type="slidenum">
+            <a:fld id="{1526818A-6165-4B13-8C31-04292B1AE093}" type="slidenum">
               <a:rPr b="0" lang="pt-BR" sz="1400" spc="-1" strike="noStrike">
                 <a:solidFill>
                   <a:srgbClr val="000000"/>
@@ -4931,912 +3038,6 @@
   <p:sldLayoutIdLst>
     <p:sldLayoutId id="2147483659" r:id="rId2"/>
   </p:sldLayoutIdLst>
-</p:sldMaster>
-</file>
-
-<file path=ppt/slideMasters/slideMaster7.xml><?xml version="1.0" encoding="utf-8"?>
-<p:sldMaster xmlns:a="http://schemas.openxmlformats.org/drawingml/2006/main" xmlns:p="http://schemas.openxmlformats.org/presentationml/2006/main" xmlns:r="http://schemas.openxmlformats.org/officeDocument/2006/relationships" xmlns:p14="http://schemas.microsoft.com/office/powerpoint/2010/main" xmlns:p15="http://schemas.microsoft.com/office/powerpoint/2012/main" xmlns:mc="http://schemas.openxmlformats.org/markup-compatibility/2006">
-  <p:cSld>
-    <p:bg>
-      <p:bgPr>
-        <a:solidFill>
-          <a:srgbClr val="ffffff"/>
-        </a:solidFill>
-      </p:bgPr>
-    </p:bg>
-    <p:spTree>
-      <p:nvGrpSpPr>
-        <p:cNvPr id="1" name=""/>
-        <p:cNvGrpSpPr/>
-        <p:nvPr/>
-      </p:nvGrpSpPr>
-      <p:grpSpPr>
-        <a:xfrm>
-          <a:off x="0" y="0"/>
-          <a:ext cx="0" cy="0"/>
-          <a:chOff x="0" y="0"/>
-          <a:chExt cx="0" cy="0"/>
-        </a:xfrm>
-      </p:grpSpPr>
-      <p:sp>
-        <p:nvSpPr>
-          <p:cNvPr id="30" name="PlaceHolder 1"/>
-          <p:cNvSpPr>
-            <a:spLocks noGrp="1"/>
-          </p:cNvSpPr>
-          <p:nvPr>
-            <p:ph type="title"/>
-          </p:nvPr>
-        </p:nvSpPr>
-        <p:spPr>
-          <a:xfrm>
-            <a:off x="650160" y="389160"/>
-            <a:ext cx="11702520" cy="1627200"/>
-          </a:xfrm>
-          <a:prstGeom prst="rect">
-            <a:avLst/>
-          </a:prstGeom>
-          <a:noFill/>
-          <a:ln w="0">
-            <a:noFill/>
-          </a:ln>
-        </p:spPr>
-        <p:txBody>
-          <a:bodyPr lIns="0" rIns="0" tIns="0" bIns="0" anchor="ctr">
-            <a:noAutofit/>
-          </a:bodyPr>
-          <a:p>
-            <a:pPr indent="0" algn="ctr">
-              <a:buNone/>
-            </a:pPr>
-            <a:r>
-              <a:rPr b="0" lang="en-US" sz="4400" spc="-1" strike="noStrike">
-                <a:solidFill>
-                  <a:srgbClr val="000000"/>
-                </a:solidFill>
-                <a:latin typeface="Arial"/>
-              </a:rPr>
-              <a:t>Click to edit the title text format</a:t>
-            </a:r>
-            <a:endParaRPr b="0" lang="en-US" sz="4400" spc="-1" strike="noStrike">
-              <a:solidFill>
-                <a:srgbClr val="000000"/>
-              </a:solidFill>
-              <a:latin typeface="Arial"/>
-            </a:endParaRPr>
-          </a:p>
-        </p:txBody>
-      </p:sp>
-      <p:sp>
-        <p:nvSpPr>
-          <p:cNvPr id="31" name="PlaceHolder 2"/>
-          <p:cNvSpPr>
-            <a:spLocks noGrp="1"/>
-          </p:cNvSpPr>
-          <p:nvPr>
-            <p:ph type="sldNum" idx="7"/>
-          </p:nvPr>
-        </p:nvSpPr>
-        <p:spPr>
-          <a:xfrm>
-            <a:off x="6328800" y="9296280"/>
-            <a:ext cx="338760" cy="322920"/>
-          </a:xfrm>
-          <a:prstGeom prst="rect">
-            <a:avLst/>
-          </a:prstGeom>
-          <a:noFill/>
-          <a:ln w="12600">
-            <a:noFill/>
-          </a:ln>
-        </p:spPr>
-        <p:txBody>
-          <a:bodyPr lIns="50760" rIns="50760" tIns="50760" bIns="50760" anchor="t">
-            <a:noAutofit/>
-          </a:bodyPr>
-          <a:lstStyle>
-            <a:lvl1pPr indent="0">
-              <a:lnSpc>
-                <a:spcPct val="100000"/>
-              </a:lnSpc>
-              <a:buNone/>
-              <a:tabLst>
-                <a:tab algn="l" pos="0"/>
-              </a:tabLst>
-              <a:defRPr b="0" lang="pt-BR" sz="1400" spc="-1" strike="noStrike">
-                <a:solidFill>
-                  <a:srgbClr val="000000"/>
-                </a:solidFill>
-                <a:latin typeface="Times New Roman"/>
-              </a:defRPr>
-            </a:lvl1pPr>
-          </a:lstStyle>
-          <a:p>
-            <a:pPr indent="0">
-              <a:lnSpc>
-                <a:spcPct val="100000"/>
-              </a:lnSpc>
-              <a:buNone/>
-              <a:tabLst>
-                <a:tab algn="l" pos="0"/>
-              </a:tabLst>
-            </a:pPr>
-            <a:fld id="{83EC64E4-EAC3-46FB-ACFA-2DED750E7F29}" type="slidenum">
-              <a:rPr b="0" lang="pt-BR" sz="1400" spc="-1" strike="noStrike">
-                <a:solidFill>
-                  <a:srgbClr val="000000"/>
-                </a:solidFill>
-                <a:latin typeface="Times New Roman"/>
-              </a:rPr>
-              <a:t>&lt;number&gt;</a:t>
-            </a:fld>
-            <a:endParaRPr b="0" lang="en-US" sz="1400" spc="-1" strike="noStrike">
-              <a:solidFill>
-                <a:srgbClr val="000000"/>
-              </a:solidFill>
-              <a:latin typeface="Times New Roman"/>
-            </a:endParaRPr>
-          </a:p>
-        </p:txBody>
-      </p:sp>
-    </p:spTree>
-  </p:cSld>
-  <p:clrMap bg1="lt1" bg2="lt2" tx1="dk1" tx2="dk2" accent1="accent1" accent2="accent2" accent3="accent3" accent4="accent4" accent5="accent5" accent6="accent6" hlink="hlink" folHlink="folHlink"/>
-  <p:sldLayoutIdLst/>
-</p:sldMaster>
-</file>
-
-<file path=ppt/slideMasters/slideMaster8.xml><?xml version="1.0" encoding="utf-8"?>
-<p:sldMaster xmlns:a="http://schemas.openxmlformats.org/drawingml/2006/main" xmlns:p="http://schemas.openxmlformats.org/presentationml/2006/main" xmlns:r="http://schemas.openxmlformats.org/officeDocument/2006/relationships" xmlns:p14="http://schemas.microsoft.com/office/powerpoint/2010/main" xmlns:p15="http://schemas.microsoft.com/office/powerpoint/2012/main" xmlns:mc="http://schemas.openxmlformats.org/markup-compatibility/2006">
-  <p:cSld>
-    <p:bg>
-      <p:bgPr>
-        <a:solidFill>
-          <a:srgbClr val="ffffff"/>
-        </a:solidFill>
-      </p:bgPr>
-    </p:bg>
-    <p:spTree>
-      <p:nvGrpSpPr>
-        <p:cNvPr id="1" name=""/>
-        <p:cNvGrpSpPr/>
-        <p:nvPr/>
-      </p:nvGrpSpPr>
-      <p:grpSpPr>
-        <a:xfrm>
-          <a:off x="0" y="0"/>
-          <a:ext cx="0" cy="0"/>
-          <a:chOff x="0" y="0"/>
-          <a:chExt cx="0" cy="0"/>
-        </a:xfrm>
-      </p:grpSpPr>
-      <p:sp>
-        <p:nvSpPr>
-          <p:cNvPr id="32" name="PlaceHolder 1"/>
-          <p:cNvSpPr>
-            <a:spLocks noGrp="1"/>
-          </p:cNvSpPr>
-          <p:nvPr>
-            <p:ph type="title"/>
-          </p:nvPr>
-        </p:nvSpPr>
-        <p:spPr>
-          <a:xfrm>
-            <a:off x="650160" y="389160"/>
-            <a:ext cx="11702520" cy="1627200"/>
-          </a:xfrm>
-          <a:prstGeom prst="rect">
-            <a:avLst/>
-          </a:prstGeom>
-          <a:noFill/>
-          <a:ln w="0">
-            <a:noFill/>
-          </a:ln>
-        </p:spPr>
-        <p:txBody>
-          <a:bodyPr lIns="0" rIns="0" tIns="0" bIns="0" anchor="ctr">
-            <a:noAutofit/>
-          </a:bodyPr>
-          <a:p>
-            <a:pPr indent="0" algn="ctr">
-              <a:buNone/>
-            </a:pPr>
-            <a:r>
-              <a:rPr b="0" lang="en-US" sz="4400" spc="-1" strike="noStrike">
-                <a:solidFill>
-                  <a:srgbClr val="000000"/>
-                </a:solidFill>
-                <a:latin typeface="Arial"/>
-              </a:rPr>
-              <a:t>Click to edit the title text format</a:t>
-            </a:r>
-            <a:endParaRPr b="0" lang="en-US" sz="4400" spc="-1" strike="noStrike">
-              <a:solidFill>
-                <a:srgbClr val="000000"/>
-              </a:solidFill>
-              <a:latin typeface="Arial"/>
-            </a:endParaRPr>
-          </a:p>
-        </p:txBody>
-      </p:sp>
-      <p:sp>
-        <p:nvSpPr>
-          <p:cNvPr id="33" name="PlaceHolder 2"/>
-          <p:cNvSpPr>
-            <a:spLocks noGrp="1"/>
-          </p:cNvSpPr>
-          <p:nvPr>
-            <p:ph type="body"/>
-          </p:nvPr>
-        </p:nvSpPr>
-        <p:spPr>
-          <a:xfrm>
-            <a:off x="650160" y="2282040"/>
-            <a:ext cx="11702520" cy="5655240"/>
-          </a:xfrm>
-          <a:prstGeom prst="rect">
-            <a:avLst/>
-          </a:prstGeom>
-          <a:noFill/>
-          <a:ln w="0">
-            <a:noFill/>
-          </a:ln>
-        </p:spPr>
-        <p:txBody>
-          <a:bodyPr lIns="0" rIns="0" tIns="0" bIns="0" anchor="t">
-            <a:normAutofit/>
-          </a:bodyPr>
-          <a:p>
-            <a:pPr marL="432000" indent="-324000">
-              <a:spcBef>
-                <a:spcPts val="1417"/>
-              </a:spcBef>
-              <a:buClr>
-                <a:srgbClr val="000000"/>
-              </a:buClr>
-              <a:buSzPct val="45000"/>
-              <a:buFont typeface="Wingdings" charset="2"/>
-              <a:buChar char=""/>
-            </a:pPr>
-            <a:r>
-              <a:rPr b="0" lang="en-US" sz="3200" spc="-1" strike="noStrike">
-                <a:solidFill>
-                  <a:srgbClr val="000000"/>
-                </a:solidFill>
-                <a:latin typeface="Arial"/>
-              </a:rPr>
-              <a:t>Click to edit the outline text format</a:t>
-            </a:r>
-            <a:endParaRPr b="0" lang="en-US" sz="3200" spc="-1" strike="noStrike">
-              <a:solidFill>
-                <a:srgbClr val="000000"/>
-              </a:solidFill>
-              <a:latin typeface="Arial"/>
-            </a:endParaRPr>
-          </a:p>
-          <a:p>
-            <a:pPr lvl="1" marL="864000" indent="-324000">
-              <a:spcBef>
-                <a:spcPts val="1134"/>
-              </a:spcBef>
-              <a:buClr>
-                <a:srgbClr val="000000"/>
-              </a:buClr>
-              <a:buSzPct val="75000"/>
-              <a:buFont typeface="Symbol" charset="2"/>
-              <a:buChar char=""/>
-            </a:pPr>
-            <a:r>
-              <a:rPr b="0" lang="en-US" sz="2800" spc="-1" strike="noStrike">
-                <a:solidFill>
-                  <a:srgbClr val="000000"/>
-                </a:solidFill>
-                <a:latin typeface="Arial"/>
-              </a:rPr>
-              <a:t>Second Outline Level</a:t>
-            </a:r>
-            <a:endParaRPr b="0" lang="en-US" sz="2800" spc="-1" strike="noStrike">
-              <a:solidFill>
-                <a:srgbClr val="000000"/>
-              </a:solidFill>
-              <a:latin typeface="Arial"/>
-            </a:endParaRPr>
-          </a:p>
-          <a:p>
-            <a:pPr lvl="2" marL="1296000" indent="-288000">
-              <a:spcBef>
-                <a:spcPts val="850"/>
-              </a:spcBef>
-              <a:buClr>
-                <a:srgbClr val="000000"/>
-              </a:buClr>
-              <a:buSzPct val="45000"/>
-              <a:buFont typeface="Wingdings" charset="2"/>
-              <a:buChar char=""/>
-            </a:pPr>
-            <a:r>
-              <a:rPr b="0" lang="en-US" sz="2400" spc="-1" strike="noStrike">
-                <a:solidFill>
-                  <a:srgbClr val="000000"/>
-                </a:solidFill>
-                <a:latin typeface="Arial"/>
-              </a:rPr>
-              <a:t>Third Outline Level</a:t>
-            </a:r>
-            <a:endParaRPr b="0" lang="en-US" sz="2400" spc="-1" strike="noStrike">
-              <a:solidFill>
-                <a:srgbClr val="000000"/>
-              </a:solidFill>
-              <a:latin typeface="Arial"/>
-            </a:endParaRPr>
-          </a:p>
-          <a:p>
-            <a:pPr lvl="3" marL="1728000" indent="-216000">
-              <a:spcBef>
-                <a:spcPts val="567"/>
-              </a:spcBef>
-              <a:buClr>
-                <a:srgbClr val="000000"/>
-              </a:buClr>
-              <a:buSzPct val="75000"/>
-              <a:buFont typeface="Symbol" charset="2"/>
-              <a:buChar char=""/>
-            </a:pPr>
-            <a:r>
-              <a:rPr b="0" lang="en-US" sz="2000" spc="-1" strike="noStrike">
-                <a:solidFill>
-                  <a:srgbClr val="000000"/>
-                </a:solidFill>
-                <a:latin typeface="Arial"/>
-              </a:rPr>
-              <a:t>Fourth Outline Level</a:t>
-            </a:r>
-            <a:endParaRPr b="0" lang="en-US" sz="2000" spc="-1" strike="noStrike">
-              <a:solidFill>
-                <a:srgbClr val="000000"/>
-              </a:solidFill>
-              <a:latin typeface="Arial"/>
-            </a:endParaRPr>
-          </a:p>
-          <a:p>
-            <a:pPr lvl="4" marL="2160000" indent="-216000">
-              <a:spcBef>
-                <a:spcPts val="283"/>
-              </a:spcBef>
-              <a:buClr>
-                <a:srgbClr val="000000"/>
-              </a:buClr>
-              <a:buSzPct val="45000"/>
-              <a:buFont typeface="Wingdings" charset="2"/>
-              <a:buChar char=""/>
-            </a:pPr>
-            <a:r>
-              <a:rPr b="0" lang="en-US" sz="2000" spc="-1" strike="noStrike">
-                <a:solidFill>
-                  <a:srgbClr val="000000"/>
-                </a:solidFill>
-                <a:latin typeface="Arial"/>
-              </a:rPr>
-              <a:t>Fifth Outline Level</a:t>
-            </a:r>
-            <a:endParaRPr b="0" lang="en-US" sz="2000" spc="-1" strike="noStrike">
-              <a:solidFill>
-                <a:srgbClr val="000000"/>
-              </a:solidFill>
-              <a:latin typeface="Arial"/>
-            </a:endParaRPr>
-          </a:p>
-          <a:p>
-            <a:pPr lvl="5" marL="2592000" indent="-216000">
-              <a:spcBef>
-                <a:spcPts val="283"/>
-              </a:spcBef>
-              <a:buClr>
-                <a:srgbClr val="000000"/>
-              </a:buClr>
-              <a:buSzPct val="45000"/>
-              <a:buFont typeface="Wingdings" charset="2"/>
-              <a:buChar char=""/>
-            </a:pPr>
-            <a:r>
-              <a:rPr b="0" lang="en-US" sz="2000" spc="-1" strike="noStrike">
-                <a:solidFill>
-                  <a:srgbClr val="000000"/>
-                </a:solidFill>
-                <a:latin typeface="Arial"/>
-              </a:rPr>
-              <a:t>Sixth Outline Level</a:t>
-            </a:r>
-            <a:endParaRPr b="0" lang="en-US" sz="2000" spc="-1" strike="noStrike">
-              <a:solidFill>
-                <a:srgbClr val="000000"/>
-              </a:solidFill>
-              <a:latin typeface="Arial"/>
-            </a:endParaRPr>
-          </a:p>
-          <a:p>
-            <a:pPr lvl="6" marL="3024000" indent="-216000">
-              <a:spcBef>
-                <a:spcPts val="283"/>
-              </a:spcBef>
-              <a:buClr>
-                <a:srgbClr val="000000"/>
-              </a:buClr>
-              <a:buSzPct val="45000"/>
-              <a:buFont typeface="Wingdings" charset="2"/>
-              <a:buChar char=""/>
-            </a:pPr>
-            <a:r>
-              <a:rPr b="0" lang="en-US" sz="2000" spc="-1" strike="noStrike">
-                <a:solidFill>
-                  <a:srgbClr val="000000"/>
-                </a:solidFill>
-                <a:latin typeface="Arial"/>
-              </a:rPr>
-              <a:t>Seventh Outline Level</a:t>
-            </a:r>
-            <a:endParaRPr b="0" lang="en-US" sz="2000" spc="-1" strike="noStrike">
-              <a:solidFill>
-                <a:srgbClr val="000000"/>
-              </a:solidFill>
-              <a:latin typeface="Arial"/>
-            </a:endParaRPr>
-          </a:p>
-        </p:txBody>
-      </p:sp>
-      <p:sp>
-        <p:nvSpPr>
-          <p:cNvPr id="34" name="PlaceHolder 3"/>
-          <p:cNvSpPr>
-            <a:spLocks noGrp="1"/>
-          </p:cNvSpPr>
-          <p:nvPr>
-            <p:ph type="sldNum" idx="8"/>
-          </p:nvPr>
-        </p:nvSpPr>
-        <p:spPr>
-          <a:xfrm>
-            <a:off x="6328800" y="9296280"/>
-            <a:ext cx="338760" cy="322920"/>
-          </a:xfrm>
-          <a:prstGeom prst="rect">
-            <a:avLst/>
-          </a:prstGeom>
-          <a:noFill/>
-          <a:ln w="12600">
-            <a:noFill/>
-          </a:ln>
-        </p:spPr>
-        <p:txBody>
-          <a:bodyPr lIns="50760" rIns="50760" tIns="50760" bIns="50760" anchor="t">
-            <a:noAutofit/>
-          </a:bodyPr>
-          <a:lstStyle>
-            <a:lvl1pPr indent="0">
-              <a:lnSpc>
-                <a:spcPct val="100000"/>
-              </a:lnSpc>
-              <a:buNone/>
-              <a:tabLst>
-                <a:tab algn="l" pos="0"/>
-              </a:tabLst>
-              <a:defRPr b="0" lang="pt-BR" sz="1400" spc="-1" strike="noStrike">
-                <a:solidFill>
-                  <a:srgbClr val="000000"/>
-                </a:solidFill>
-                <a:latin typeface="Times New Roman"/>
-              </a:defRPr>
-            </a:lvl1pPr>
-          </a:lstStyle>
-          <a:p>
-            <a:pPr indent="0">
-              <a:lnSpc>
-                <a:spcPct val="100000"/>
-              </a:lnSpc>
-              <a:buNone/>
-              <a:tabLst>
-                <a:tab algn="l" pos="0"/>
-              </a:tabLst>
-            </a:pPr>
-            <a:fld id="{61F29797-49CA-4D23-AD1E-C0CADD6BB6AE}" type="slidenum">
-              <a:rPr b="0" lang="pt-BR" sz="1400" spc="-1" strike="noStrike">
-                <a:solidFill>
-                  <a:srgbClr val="000000"/>
-                </a:solidFill>
-                <a:latin typeface="Times New Roman"/>
-              </a:rPr>
-              <a:t>&lt;number&gt;</a:t>
-            </a:fld>
-            <a:endParaRPr b="0" lang="en-US" sz="1400" spc="-1" strike="noStrike">
-              <a:solidFill>
-                <a:srgbClr val="000000"/>
-              </a:solidFill>
-              <a:latin typeface="Times New Roman"/>
-            </a:endParaRPr>
-          </a:p>
-        </p:txBody>
-      </p:sp>
-    </p:spTree>
-  </p:cSld>
-  <p:clrMap bg1="lt1" bg2="lt2" tx1="dk1" tx2="dk2" accent1="accent1" accent2="accent2" accent3="accent3" accent4="accent4" accent5="accent5" accent6="accent6" hlink="hlink" folHlink="folHlink"/>
-  <p:sldLayoutIdLst/>
-</p:sldMaster>
-</file>
-
-<file path=ppt/slideMasters/slideMaster9.xml><?xml version="1.0" encoding="utf-8"?>
-<p:sldMaster xmlns:a="http://schemas.openxmlformats.org/drawingml/2006/main" xmlns:p="http://schemas.openxmlformats.org/presentationml/2006/main" xmlns:r="http://schemas.openxmlformats.org/officeDocument/2006/relationships" xmlns:p14="http://schemas.microsoft.com/office/powerpoint/2010/main" xmlns:p15="http://schemas.microsoft.com/office/powerpoint/2012/main" xmlns:mc="http://schemas.openxmlformats.org/markup-compatibility/2006">
-  <p:cSld>
-    <p:bg>
-      <p:bgPr>
-        <a:solidFill>
-          <a:srgbClr val="ffffff"/>
-        </a:solidFill>
-      </p:bgPr>
-    </p:bg>
-    <p:spTree>
-      <p:nvGrpSpPr>
-        <p:cNvPr id="1" name=""/>
-        <p:cNvGrpSpPr/>
-        <p:nvPr/>
-      </p:nvGrpSpPr>
-      <p:grpSpPr>
-        <a:xfrm>
-          <a:off x="0" y="0"/>
-          <a:ext cx="0" cy="0"/>
-          <a:chOff x="0" y="0"/>
-          <a:chExt cx="0" cy="0"/>
-        </a:xfrm>
-      </p:grpSpPr>
-      <p:sp>
-        <p:nvSpPr>
-          <p:cNvPr id="35" name="PlaceHolder 1"/>
-          <p:cNvSpPr>
-            <a:spLocks noGrp="1"/>
-          </p:cNvSpPr>
-          <p:nvPr>
-            <p:ph type="title"/>
-          </p:nvPr>
-        </p:nvSpPr>
-        <p:spPr>
-          <a:xfrm>
-            <a:off x="650160" y="389160"/>
-            <a:ext cx="11702520" cy="1627200"/>
-          </a:xfrm>
-          <a:prstGeom prst="rect">
-            <a:avLst/>
-          </a:prstGeom>
-          <a:noFill/>
-          <a:ln w="0">
-            <a:noFill/>
-          </a:ln>
-        </p:spPr>
-        <p:txBody>
-          <a:bodyPr lIns="0" rIns="0" tIns="0" bIns="0" anchor="ctr">
-            <a:noAutofit/>
-          </a:bodyPr>
-          <a:p>
-            <a:pPr indent="0" algn="ctr">
-              <a:buNone/>
-            </a:pPr>
-            <a:r>
-              <a:rPr b="0" lang="en-US" sz="4400" spc="-1" strike="noStrike">
-                <a:solidFill>
-                  <a:srgbClr val="000000"/>
-                </a:solidFill>
-                <a:latin typeface="Arial"/>
-              </a:rPr>
-              <a:t>Click to edit the title text format</a:t>
-            </a:r>
-            <a:endParaRPr b="0" lang="en-US" sz="4400" spc="-1" strike="noStrike">
-              <a:solidFill>
-                <a:srgbClr val="000000"/>
-              </a:solidFill>
-              <a:latin typeface="Arial"/>
-            </a:endParaRPr>
-          </a:p>
-        </p:txBody>
-      </p:sp>
-      <p:sp>
-        <p:nvSpPr>
-          <p:cNvPr id="36" name="PlaceHolder 2"/>
-          <p:cNvSpPr>
-            <a:spLocks noGrp="1"/>
-          </p:cNvSpPr>
-          <p:nvPr>
-            <p:ph type="body"/>
-          </p:nvPr>
-        </p:nvSpPr>
-        <p:spPr>
-          <a:xfrm>
-            <a:off x="650160" y="2282040"/>
-            <a:ext cx="11702520" cy="5655240"/>
-          </a:xfrm>
-          <a:prstGeom prst="rect">
-            <a:avLst/>
-          </a:prstGeom>
-          <a:noFill/>
-          <a:ln w="0">
-            <a:noFill/>
-          </a:ln>
-        </p:spPr>
-        <p:txBody>
-          <a:bodyPr lIns="0" rIns="0" tIns="0" bIns="0" anchor="t">
-            <a:normAutofit/>
-          </a:bodyPr>
-          <a:p>
-            <a:pPr marL="432000" indent="-324000">
-              <a:spcBef>
-                <a:spcPts val="1417"/>
-              </a:spcBef>
-              <a:buClr>
-                <a:srgbClr val="000000"/>
-              </a:buClr>
-              <a:buSzPct val="45000"/>
-              <a:buFont typeface="Wingdings" charset="2"/>
-              <a:buChar char=""/>
-            </a:pPr>
-            <a:r>
-              <a:rPr b="0" lang="en-US" sz="3200" spc="-1" strike="noStrike">
-                <a:solidFill>
-                  <a:srgbClr val="000000"/>
-                </a:solidFill>
-                <a:latin typeface="Arial"/>
-              </a:rPr>
-              <a:t>Click to edit the outline text format</a:t>
-            </a:r>
-            <a:endParaRPr b="0" lang="en-US" sz="3200" spc="-1" strike="noStrike">
-              <a:solidFill>
-                <a:srgbClr val="000000"/>
-              </a:solidFill>
-              <a:latin typeface="Arial"/>
-            </a:endParaRPr>
-          </a:p>
-          <a:p>
-            <a:pPr lvl="1" marL="864000" indent="-324000">
-              <a:spcBef>
-                <a:spcPts val="1134"/>
-              </a:spcBef>
-              <a:buClr>
-                <a:srgbClr val="000000"/>
-              </a:buClr>
-              <a:buSzPct val="75000"/>
-              <a:buFont typeface="Symbol" charset="2"/>
-              <a:buChar char=""/>
-            </a:pPr>
-            <a:r>
-              <a:rPr b="0" lang="en-US" sz="2800" spc="-1" strike="noStrike">
-                <a:solidFill>
-                  <a:srgbClr val="000000"/>
-                </a:solidFill>
-                <a:latin typeface="Arial"/>
-              </a:rPr>
-              <a:t>Second Outline Level</a:t>
-            </a:r>
-            <a:endParaRPr b="0" lang="en-US" sz="2800" spc="-1" strike="noStrike">
-              <a:solidFill>
-                <a:srgbClr val="000000"/>
-              </a:solidFill>
-              <a:latin typeface="Arial"/>
-            </a:endParaRPr>
-          </a:p>
-          <a:p>
-            <a:pPr lvl="2" marL="1296000" indent="-288000">
-              <a:spcBef>
-                <a:spcPts val="850"/>
-              </a:spcBef>
-              <a:buClr>
-                <a:srgbClr val="000000"/>
-              </a:buClr>
-              <a:buSzPct val="45000"/>
-              <a:buFont typeface="Wingdings" charset="2"/>
-              <a:buChar char=""/>
-            </a:pPr>
-            <a:r>
-              <a:rPr b="0" lang="en-US" sz="2400" spc="-1" strike="noStrike">
-                <a:solidFill>
-                  <a:srgbClr val="000000"/>
-                </a:solidFill>
-                <a:latin typeface="Arial"/>
-              </a:rPr>
-              <a:t>Third Outline Level</a:t>
-            </a:r>
-            <a:endParaRPr b="0" lang="en-US" sz="2400" spc="-1" strike="noStrike">
-              <a:solidFill>
-                <a:srgbClr val="000000"/>
-              </a:solidFill>
-              <a:latin typeface="Arial"/>
-            </a:endParaRPr>
-          </a:p>
-          <a:p>
-            <a:pPr lvl="3" marL="1728000" indent="-216000">
-              <a:spcBef>
-                <a:spcPts val="567"/>
-              </a:spcBef>
-              <a:buClr>
-                <a:srgbClr val="000000"/>
-              </a:buClr>
-              <a:buSzPct val="75000"/>
-              <a:buFont typeface="Symbol" charset="2"/>
-              <a:buChar char=""/>
-            </a:pPr>
-            <a:r>
-              <a:rPr b="0" lang="en-US" sz="2000" spc="-1" strike="noStrike">
-                <a:solidFill>
-                  <a:srgbClr val="000000"/>
-                </a:solidFill>
-                <a:latin typeface="Arial"/>
-              </a:rPr>
-              <a:t>Fourth Outline Level</a:t>
-            </a:r>
-            <a:endParaRPr b="0" lang="en-US" sz="2000" spc="-1" strike="noStrike">
-              <a:solidFill>
-                <a:srgbClr val="000000"/>
-              </a:solidFill>
-              <a:latin typeface="Arial"/>
-            </a:endParaRPr>
-          </a:p>
-          <a:p>
-            <a:pPr lvl="4" marL="2160000" indent="-216000">
-              <a:spcBef>
-                <a:spcPts val="283"/>
-              </a:spcBef>
-              <a:buClr>
-                <a:srgbClr val="000000"/>
-              </a:buClr>
-              <a:buSzPct val="45000"/>
-              <a:buFont typeface="Wingdings" charset="2"/>
-              <a:buChar char=""/>
-            </a:pPr>
-            <a:r>
-              <a:rPr b="0" lang="en-US" sz="2000" spc="-1" strike="noStrike">
-                <a:solidFill>
-                  <a:srgbClr val="000000"/>
-                </a:solidFill>
-                <a:latin typeface="Arial"/>
-              </a:rPr>
-              <a:t>Fifth Outline Level</a:t>
-            </a:r>
-            <a:endParaRPr b="0" lang="en-US" sz="2000" spc="-1" strike="noStrike">
-              <a:solidFill>
-                <a:srgbClr val="000000"/>
-              </a:solidFill>
-              <a:latin typeface="Arial"/>
-            </a:endParaRPr>
-          </a:p>
-          <a:p>
-            <a:pPr lvl="5" marL="2592000" indent="-216000">
-              <a:spcBef>
-                <a:spcPts val="283"/>
-              </a:spcBef>
-              <a:buClr>
-                <a:srgbClr val="000000"/>
-              </a:buClr>
-              <a:buSzPct val="45000"/>
-              <a:buFont typeface="Wingdings" charset="2"/>
-              <a:buChar char=""/>
-            </a:pPr>
-            <a:r>
-              <a:rPr b="0" lang="en-US" sz="2000" spc="-1" strike="noStrike">
-                <a:solidFill>
-                  <a:srgbClr val="000000"/>
-                </a:solidFill>
-                <a:latin typeface="Arial"/>
-              </a:rPr>
-              <a:t>Sixth Outline Level</a:t>
-            </a:r>
-            <a:endParaRPr b="0" lang="en-US" sz="2000" spc="-1" strike="noStrike">
-              <a:solidFill>
-                <a:srgbClr val="000000"/>
-              </a:solidFill>
-              <a:latin typeface="Arial"/>
-            </a:endParaRPr>
-          </a:p>
-          <a:p>
-            <a:pPr lvl="6" marL="3024000" indent="-216000">
-              <a:spcBef>
-                <a:spcPts val="283"/>
-              </a:spcBef>
-              <a:buClr>
-                <a:srgbClr val="000000"/>
-              </a:buClr>
-              <a:buSzPct val="45000"/>
-              <a:buFont typeface="Wingdings" charset="2"/>
-              <a:buChar char=""/>
-            </a:pPr>
-            <a:r>
-              <a:rPr b="0" lang="en-US" sz="2000" spc="-1" strike="noStrike">
-                <a:solidFill>
-                  <a:srgbClr val="000000"/>
-                </a:solidFill>
-                <a:latin typeface="Arial"/>
-              </a:rPr>
-              <a:t>Seventh Outline Level</a:t>
-            </a:r>
-            <a:endParaRPr b="0" lang="en-US" sz="2000" spc="-1" strike="noStrike">
-              <a:solidFill>
-                <a:srgbClr val="000000"/>
-              </a:solidFill>
-              <a:latin typeface="Arial"/>
-            </a:endParaRPr>
-          </a:p>
-        </p:txBody>
-      </p:sp>
-      <p:sp>
-        <p:nvSpPr>
-          <p:cNvPr id="37" name="PlaceHolder 3"/>
-          <p:cNvSpPr>
-            <a:spLocks noGrp="1"/>
-          </p:cNvSpPr>
-          <p:nvPr>
-            <p:ph type="sldNum" idx="9"/>
-          </p:nvPr>
-        </p:nvSpPr>
-        <p:spPr>
-          <a:xfrm>
-            <a:off x="6328800" y="9296280"/>
-            <a:ext cx="338760" cy="322920"/>
-          </a:xfrm>
-          <a:prstGeom prst="rect">
-            <a:avLst/>
-          </a:prstGeom>
-          <a:noFill/>
-          <a:ln w="12600">
-            <a:noFill/>
-          </a:ln>
-        </p:spPr>
-        <p:txBody>
-          <a:bodyPr lIns="50760" rIns="50760" tIns="50760" bIns="50760" anchor="t">
-            <a:noAutofit/>
-          </a:bodyPr>
-          <a:lstStyle>
-            <a:lvl1pPr indent="0">
-              <a:lnSpc>
-                <a:spcPct val="100000"/>
-              </a:lnSpc>
-              <a:buNone/>
-              <a:tabLst>
-                <a:tab algn="l" pos="0"/>
-              </a:tabLst>
-              <a:defRPr b="0" lang="pt-BR" sz="1400" spc="-1" strike="noStrike">
-                <a:solidFill>
-                  <a:srgbClr val="000000"/>
-                </a:solidFill>
-                <a:latin typeface="Times New Roman"/>
-              </a:defRPr>
-            </a:lvl1pPr>
-          </a:lstStyle>
-          <a:p>
-            <a:pPr indent="0">
-              <a:lnSpc>
-                <a:spcPct val="100000"/>
-              </a:lnSpc>
-              <a:buNone/>
-              <a:tabLst>
-                <a:tab algn="l" pos="0"/>
-              </a:tabLst>
-            </a:pPr>
-            <a:fld id="{54C2005A-2AAA-4C1C-A375-599AA4F415A1}" type="slidenum">
-              <a:rPr b="0" lang="pt-BR" sz="1400" spc="-1" strike="noStrike">
-                <a:solidFill>
-                  <a:srgbClr val="000000"/>
-                </a:solidFill>
-                <a:latin typeface="Times New Roman"/>
-              </a:rPr>
-              <a:t>&lt;number&gt;</a:t>
-            </a:fld>
-            <a:endParaRPr b="0" lang="en-US" sz="1400" spc="-1" strike="noStrike">
-              <a:solidFill>
-                <a:srgbClr val="000000"/>
-              </a:solidFill>
-              <a:latin typeface="Times New Roman"/>
-            </a:endParaRPr>
-          </a:p>
-        </p:txBody>
-      </p:sp>
-    </p:spTree>
-  </p:cSld>
-  <p:clrMap bg1="lt1" bg2="lt2" tx1="dk1" tx2="dk2" accent1="accent1" accent2="accent2" accent3="accent3" accent4="accent4" accent5="accent5" accent6="accent6" hlink="hlink" folHlink="folHlink"/>
-  <p:sldLayoutIdLst/>
 </p:sldMaster>
 </file>
 
@@ -5859,14 +3060,14 @@
       </p:grpSpPr>
       <p:sp>
         <p:nvSpPr>
-          <p:cNvPr id="53" name="Simulação controlada"/>
+          <p:cNvPr id="30" name="Simulação controlada"/>
           <p:cNvSpPr/>
           <p:nvPr/>
         </p:nvSpPr>
         <p:spPr>
           <a:xfrm>
-            <a:off x="2286000" y="2128680"/>
-            <a:ext cx="6629040" cy="6329160"/>
+            <a:off x="2057400" y="2128680"/>
+            <a:ext cx="6857280" cy="6328800"/>
           </a:xfrm>
           <a:prstGeom prst="roundRect">
             <a:avLst>
@@ -5922,14 +3123,14 @@
       </p:sp>
       <p:sp>
         <p:nvSpPr>
-          <p:cNvPr id="54" name="* IED *…"/>
+          <p:cNvPr id="31" name="* IED *…"/>
           <p:cNvSpPr/>
           <p:nvPr/>
         </p:nvSpPr>
         <p:spPr>
           <a:xfrm>
             <a:off x="7010280" y="3546720"/>
-            <a:ext cx="1676160" cy="3768120"/>
+            <a:ext cx="1675800" cy="3767760"/>
           </a:xfrm>
           <a:prstGeom prst="rect">
             <a:avLst/>
@@ -5981,14 +3182,14 @@
       </p:sp>
       <p:sp>
         <p:nvSpPr>
-          <p:cNvPr id="55" name="MU1"/>
+          <p:cNvPr id="32" name="MU1"/>
           <p:cNvSpPr/>
           <p:nvPr/>
         </p:nvSpPr>
         <p:spPr>
           <a:xfrm>
-            <a:off x="2743200" y="3544920"/>
-            <a:ext cx="2559600" cy="3769920"/>
+            <a:off x="2286000" y="3545640"/>
+            <a:ext cx="2743200" cy="3769560"/>
           </a:xfrm>
           <a:prstGeom prst="rect">
             <a:avLst/>
@@ -6027,7 +3228,7 @@
                 <a:latin typeface="Helvetica Neue Medium"/>
                 <a:ea typeface="Helvetica Neue Medium"/>
               </a:rPr>
-              <a:t>Publisher</a:t>
+              <a:t>Merging Unit 1</a:t>
             </a:r>
             <a:endParaRPr b="0" lang="en-US" sz="2200" spc="-1" strike="noStrike">
               <a:solidFill>
@@ -6045,6 +3246,16 @@
                 <a:tab algn="l" pos="0"/>
               </a:tabLst>
             </a:pPr>
+            <a:r>
+              <a:rPr b="0" lang="en-US" sz="2200" spc="-1" strike="noStrike">
+                <a:solidFill>
+                  <a:srgbClr val="ffffff"/>
+                </a:solidFill>
+                <a:latin typeface="Helvetica Neue Medium"/>
+                <a:ea typeface="Helvetica Neue Medium"/>
+              </a:rPr>
+              <a:t>Merging Unit 2</a:t>
+            </a:r>
             <a:endParaRPr b="0" lang="en-US" sz="2200" spc="-1" strike="noStrike">
               <a:solidFill>
                 <a:srgbClr val="ffffff"/>
@@ -6149,7 +3360,7 @@
                 <a:latin typeface="Helvetica Neue Medium"/>
                 <a:ea typeface="Helvetica Neue Medium"/>
               </a:rPr>
-              <a:t>Subscriber</a:t>
+              <a:t>Protection Relay</a:t>
             </a:r>
             <a:endParaRPr b="0" lang="en-US" sz="2200" spc="-1" strike="noStrike">
               <a:solidFill>
@@ -6162,7 +3373,7 @@
       </p:sp>
       <p:sp>
         <p:nvSpPr>
-          <p:cNvPr id="56" name="Linha"/>
+          <p:cNvPr id="33" name="Linha"/>
           <p:cNvSpPr/>
           <p:nvPr/>
         </p:nvSpPr>
@@ -6205,14 +3416,14 @@
       </p:sp>
       <p:sp>
         <p:nvSpPr>
-          <p:cNvPr id="57" name="Digital"/>
+          <p:cNvPr id="34" name="Digital"/>
           <p:cNvSpPr/>
           <p:nvPr/>
         </p:nvSpPr>
         <p:spPr>
           <a:xfrm>
-            <a:off x="5504760" y="3812400"/>
-            <a:ext cx="1338120" cy="590040"/>
+            <a:off x="5504760" y="3813120"/>
+            <a:ext cx="1337760" cy="588600"/>
           </a:xfrm>
           <a:prstGeom prst="rect">
             <a:avLst/>
@@ -6265,7 +3476,7 @@
       </p:sp>
       <p:sp>
         <p:nvSpPr>
-          <p:cNvPr id="58" name="Linha"/>
+          <p:cNvPr id="35" name="Linha"/>
           <p:cNvSpPr/>
           <p:nvPr/>
         </p:nvSpPr>
@@ -6308,14 +3519,14 @@
       </p:sp>
       <p:sp>
         <p:nvSpPr>
-          <p:cNvPr id="59" name="Digital"/>
+          <p:cNvPr id="36" name="Digital"/>
           <p:cNvSpPr/>
           <p:nvPr/>
         </p:nvSpPr>
         <p:spPr>
           <a:xfrm>
-            <a:off x="5522400" y="6022800"/>
-            <a:ext cx="1337400" cy="590040"/>
+            <a:off x="5522400" y="6023520"/>
+            <a:ext cx="1337040" cy="588600"/>
           </a:xfrm>
           <a:prstGeom prst="rect">
             <a:avLst/>
@@ -6368,14 +3579,14 @@
       </p:sp>
       <p:sp>
         <p:nvSpPr>
-          <p:cNvPr id="60" name=""/>
+          <p:cNvPr id="37" name=""/>
           <p:cNvSpPr/>
           <p:nvPr/>
         </p:nvSpPr>
         <p:spPr>
           <a:xfrm>
-            <a:off x="3200400" y="3198600"/>
-            <a:ext cx="1463400" cy="345960"/>
+            <a:off x="2880360" y="3198600"/>
+            <a:ext cx="1463040" cy="345600"/>
           </a:xfrm>
           <a:prstGeom prst="rect">
             <a:avLst/>
@@ -6407,6 +3618,7 @@
                   <a:srgbClr val="000000"/>
                 </a:solidFill>
                 <a:latin typeface="Arial"/>
+                <a:ea typeface="DejaVu Sans"/>
               </a:rPr>
               <a:t>Jetson Nano</a:t>
             </a:r>
@@ -6421,14 +3633,14 @@
       </p:sp>
       <p:sp>
         <p:nvSpPr>
-          <p:cNvPr id="61" name=""/>
+          <p:cNvPr id="38" name=""/>
           <p:cNvSpPr/>
           <p:nvPr/>
         </p:nvSpPr>
         <p:spPr>
           <a:xfrm>
             <a:off x="7086600" y="3200400"/>
-            <a:ext cx="1463400" cy="345960"/>
+            <a:ext cx="1463040" cy="345600"/>
           </a:xfrm>
           <a:prstGeom prst="rect">
             <a:avLst/>
@@ -6460,6 +3672,7 @@
                   <a:srgbClr val="000000"/>
                 </a:solidFill>
                 <a:latin typeface="Arial"/>
+                <a:ea typeface="DejaVu Sans"/>
               </a:rPr>
               <a:t>Personal PC</a:t>
             </a:r>
@@ -6474,14 +3687,14 @@
       </p:sp>
       <p:sp>
         <p:nvSpPr>
-          <p:cNvPr id="62" name=""/>
+          <p:cNvPr id="39" name=""/>
           <p:cNvSpPr/>
           <p:nvPr/>
         </p:nvSpPr>
         <p:spPr>
           <a:xfrm>
             <a:off x="7010280" y="4208400"/>
-            <a:ext cx="406440" cy="363240"/>
+            <a:ext cx="406080" cy="362880"/>
           </a:xfrm>
           <a:prstGeom prst="rect">
             <a:avLst/>
@@ -6506,6 +3719,11 @@
             <a:noAutofit/>
           </a:bodyPr>
           <a:p>
+            <a:pPr>
+              <a:lnSpc>
+                <a:spcPct val="100000"/>
+              </a:lnSpc>
+            </a:pPr>
             <a:endParaRPr b="0" lang="en-US" sz="1800" spc="-1" strike="noStrike">
               <a:solidFill>
                 <a:srgbClr val="ffffff"/>
@@ -6518,14 +3736,14 @@
       </p:sp>
       <p:sp>
         <p:nvSpPr>
-          <p:cNvPr id="63" name=""/>
+          <p:cNvPr id="40" name=""/>
           <p:cNvSpPr/>
           <p:nvPr/>
         </p:nvSpPr>
         <p:spPr>
           <a:xfrm>
             <a:off x="7010280" y="6400800"/>
-            <a:ext cx="406440" cy="363240"/>
+            <a:ext cx="406080" cy="362880"/>
           </a:xfrm>
           <a:prstGeom prst="rect">
             <a:avLst/>
@@ -6550,6 +3768,11 @@
             <a:noAutofit/>
           </a:bodyPr>
           <a:p>
+            <a:pPr>
+              <a:lnSpc>
+                <a:spcPct val="100000"/>
+              </a:lnSpc>
+            </a:pPr>
             <a:endParaRPr b="0" lang="en-US" sz="1800" spc="-1" strike="noStrike">
               <a:solidFill>
                 <a:srgbClr val="ffffff"/>
@@ -6562,14 +3785,14 @@
       </p:sp>
       <p:sp>
         <p:nvSpPr>
-          <p:cNvPr id="64" name=""/>
+          <p:cNvPr id="41" name=""/>
           <p:cNvSpPr/>
           <p:nvPr/>
         </p:nvSpPr>
         <p:spPr>
           <a:xfrm>
             <a:off x="4896360" y="4208400"/>
-            <a:ext cx="406440" cy="363240"/>
+            <a:ext cx="406080" cy="362880"/>
           </a:xfrm>
           <a:prstGeom prst="rect">
             <a:avLst/>
@@ -6594,6 +3817,11 @@
             <a:noAutofit/>
           </a:bodyPr>
           <a:p>
+            <a:pPr>
+              <a:lnSpc>
+                <a:spcPct val="100000"/>
+              </a:lnSpc>
+            </a:pPr>
             <a:endParaRPr b="0" lang="en-US" sz="1800" spc="-1" strike="noStrike">
               <a:solidFill>
                 <a:srgbClr val="ffffff"/>
@@ -6606,14 +3834,14 @@
       </p:sp>
       <p:sp>
         <p:nvSpPr>
-          <p:cNvPr id="65" name=""/>
+          <p:cNvPr id="42" name=""/>
           <p:cNvSpPr/>
           <p:nvPr/>
         </p:nvSpPr>
         <p:spPr>
           <a:xfrm>
             <a:off x="4896360" y="6400800"/>
-            <a:ext cx="406440" cy="363240"/>
+            <a:ext cx="406080" cy="362880"/>
           </a:xfrm>
           <a:prstGeom prst="rect">
             <a:avLst/>
@@ -6638,6 +3866,11 @@
             <a:noAutofit/>
           </a:bodyPr>
           <a:p>
+            <a:pPr>
+              <a:lnSpc>
+                <a:spcPct val="100000"/>
+              </a:lnSpc>
+            </a:pPr>
             <a:endParaRPr b="0" lang="en-US" sz="1800" spc="-1" strike="noStrike">
               <a:solidFill>
                 <a:srgbClr val="ffffff"/>
@@ -6662,536 +3895,6 @@
 </file>
 
 <file path=ppt/theme/theme1.xml><?xml version="1.0" encoding="utf-8"?>
-<a:theme xmlns:a="http://schemas.openxmlformats.org/drawingml/2006/main" xmlns:r="http://schemas.openxmlformats.org/officeDocument/2006/relationships" name="White">
-  <a:themeElements>
-    <a:clrScheme name="White">
-      <a:dk1>
-        <a:srgbClr val="000000"/>
-      </a:dk1>
-      <a:lt1>
-        <a:srgbClr val="ffffff"/>
-      </a:lt1>
-      <a:dk2>
-        <a:srgbClr val="5e5e5e"/>
-      </a:dk2>
-      <a:lt2>
-        <a:srgbClr val="d6d5d5"/>
-      </a:lt2>
-      <a:accent1>
-        <a:srgbClr val="00a2ff"/>
-      </a:accent1>
-      <a:accent2>
-        <a:srgbClr val="16e7cf"/>
-      </a:accent2>
-      <a:accent3>
-        <a:srgbClr val="61d836"/>
-      </a:accent3>
-      <a:accent4>
-        <a:srgbClr val="fae232"/>
-      </a:accent4>
-      <a:accent5>
-        <a:srgbClr val="ff644e"/>
-      </a:accent5>
-      <a:accent6>
-        <a:srgbClr val="ef5fa7"/>
-      </a:accent6>
-      <a:hlink>
-        <a:srgbClr val="0000ff"/>
-      </a:hlink>
-      <a:folHlink>
-        <a:srgbClr val="ff00ff"/>
-      </a:folHlink>
-    </a:clrScheme>
-    <a:fontScheme name="Office">
-      <a:majorFont>
-        <a:latin typeface="Arial" pitchFamily="0" charset="1"/>
-        <a:ea typeface="DejaVu Sans" pitchFamily="0" charset="1"/>
-        <a:cs typeface="DejaVu Sans" pitchFamily="0" charset="1"/>
-      </a:majorFont>
-      <a:minorFont>
-        <a:latin typeface="Arial" pitchFamily="0" charset="1"/>
-        <a:ea typeface="DejaVu Sans" pitchFamily="0" charset="1"/>
-        <a:cs typeface="DejaVu Sans" pitchFamily="0" charset="1"/>
-      </a:minorFont>
-    </a:fontScheme>
-    <a:fmtScheme>
-      <a:fillStyleLst>
-        <a:solidFill>
-          <a:schemeClr val="phClr"/>
-        </a:solidFill>
-        <a:solidFill>
-          <a:schemeClr val="phClr"/>
-        </a:solidFill>
-        <a:solidFill>
-          <a:schemeClr val="phClr"/>
-        </a:solidFill>
-      </a:fillStyleLst>
-      <a:lnStyleLst>
-        <a:ln w="6350" cap="flat" cmpd="sng" algn="ctr">
-          <a:prstDash val="solid"/>
-          <a:miter/>
-        </a:ln>
-        <a:ln w="6350" cap="flat" cmpd="sng" algn="ctr">
-          <a:prstDash val="solid"/>
-          <a:miter/>
-        </a:ln>
-        <a:ln w="6350" cap="flat" cmpd="sng" algn="ctr">
-          <a:prstDash val="solid"/>
-          <a:miter/>
-        </a:ln>
-      </a:lnStyleLst>
-      <a:effectStyleLst>
-        <a:effectStyle>
-          <a:effectLst/>
-        </a:effectStyle>
-        <a:effectStyle>
-          <a:effectLst/>
-        </a:effectStyle>
-        <a:effectStyle>
-          <a:effectLst/>
-        </a:effectStyle>
-      </a:effectStyleLst>
-      <a:bgFillStyleLst>
-        <a:solidFill>
-          <a:schemeClr val="phClr"/>
-        </a:solidFill>
-        <a:solidFill>
-          <a:schemeClr val="phClr"/>
-        </a:solidFill>
-        <a:solidFill>
-          <a:schemeClr val="phClr"/>
-        </a:solidFill>
-      </a:bgFillStyleLst>
-    </a:fmtScheme>
-  </a:themeElements>
-</a:theme>
-</file>
-
-<file path=ppt/theme/theme10.xml><?xml version="1.0" encoding="utf-8"?>
-<a:theme xmlns:a="http://schemas.openxmlformats.org/drawingml/2006/main" xmlns:r="http://schemas.openxmlformats.org/officeDocument/2006/relationships" name="White">
-  <a:themeElements>
-    <a:clrScheme name="White">
-      <a:dk1>
-        <a:srgbClr val="000000"/>
-      </a:dk1>
-      <a:lt1>
-        <a:srgbClr val="ffffff"/>
-      </a:lt1>
-      <a:dk2>
-        <a:srgbClr val="5e5e5e"/>
-      </a:dk2>
-      <a:lt2>
-        <a:srgbClr val="d6d5d5"/>
-      </a:lt2>
-      <a:accent1>
-        <a:srgbClr val="00a2ff"/>
-      </a:accent1>
-      <a:accent2>
-        <a:srgbClr val="16e7cf"/>
-      </a:accent2>
-      <a:accent3>
-        <a:srgbClr val="61d836"/>
-      </a:accent3>
-      <a:accent4>
-        <a:srgbClr val="fae232"/>
-      </a:accent4>
-      <a:accent5>
-        <a:srgbClr val="ff644e"/>
-      </a:accent5>
-      <a:accent6>
-        <a:srgbClr val="ef5fa7"/>
-      </a:accent6>
-      <a:hlink>
-        <a:srgbClr val="0000ff"/>
-      </a:hlink>
-      <a:folHlink>
-        <a:srgbClr val="ff00ff"/>
-      </a:folHlink>
-    </a:clrScheme>
-    <a:fontScheme name="Office">
-      <a:majorFont>
-        <a:latin typeface="Arial" pitchFamily="0" charset="1"/>
-        <a:ea typeface="DejaVu Sans" pitchFamily="0" charset="1"/>
-        <a:cs typeface="DejaVu Sans" pitchFamily="0" charset="1"/>
-      </a:majorFont>
-      <a:minorFont>
-        <a:latin typeface="Arial" pitchFamily="0" charset="1"/>
-        <a:ea typeface="DejaVu Sans" pitchFamily="0" charset="1"/>
-        <a:cs typeface="DejaVu Sans" pitchFamily="0" charset="1"/>
-      </a:minorFont>
-    </a:fontScheme>
-    <a:fmtScheme>
-      <a:fillStyleLst>
-        <a:solidFill>
-          <a:schemeClr val="phClr"/>
-        </a:solidFill>
-        <a:solidFill>
-          <a:schemeClr val="phClr"/>
-        </a:solidFill>
-        <a:solidFill>
-          <a:schemeClr val="phClr"/>
-        </a:solidFill>
-      </a:fillStyleLst>
-      <a:lnStyleLst>
-        <a:ln w="6350" cap="flat" cmpd="sng" algn="ctr">
-          <a:prstDash val="solid"/>
-          <a:miter/>
-        </a:ln>
-        <a:ln w="6350" cap="flat" cmpd="sng" algn="ctr">
-          <a:prstDash val="solid"/>
-          <a:miter/>
-        </a:ln>
-        <a:ln w="6350" cap="flat" cmpd="sng" algn="ctr">
-          <a:prstDash val="solid"/>
-          <a:miter/>
-        </a:ln>
-      </a:lnStyleLst>
-      <a:effectStyleLst>
-        <a:effectStyle>
-          <a:effectLst/>
-        </a:effectStyle>
-        <a:effectStyle>
-          <a:effectLst/>
-        </a:effectStyle>
-        <a:effectStyle>
-          <a:effectLst/>
-        </a:effectStyle>
-      </a:effectStyleLst>
-      <a:bgFillStyleLst>
-        <a:solidFill>
-          <a:schemeClr val="phClr"/>
-        </a:solidFill>
-        <a:solidFill>
-          <a:schemeClr val="phClr"/>
-        </a:solidFill>
-        <a:solidFill>
-          <a:schemeClr val="phClr"/>
-        </a:solidFill>
-      </a:bgFillStyleLst>
-    </a:fmtScheme>
-  </a:themeElements>
-</a:theme>
-</file>
-
-<file path=ppt/theme/theme11.xml><?xml version="1.0" encoding="utf-8"?>
-<a:theme xmlns:a="http://schemas.openxmlformats.org/drawingml/2006/main" xmlns:r="http://schemas.openxmlformats.org/officeDocument/2006/relationships" name="White">
-  <a:themeElements>
-    <a:clrScheme name="White">
-      <a:dk1>
-        <a:srgbClr val="000000"/>
-      </a:dk1>
-      <a:lt1>
-        <a:srgbClr val="ffffff"/>
-      </a:lt1>
-      <a:dk2>
-        <a:srgbClr val="5e5e5e"/>
-      </a:dk2>
-      <a:lt2>
-        <a:srgbClr val="d6d5d5"/>
-      </a:lt2>
-      <a:accent1>
-        <a:srgbClr val="00a2ff"/>
-      </a:accent1>
-      <a:accent2>
-        <a:srgbClr val="16e7cf"/>
-      </a:accent2>
-      <a:accent3>
-        <a:srgbClr val="61d836"/>
-      </a:accent3>
-      <a:accent4>
-        <a:srgbClr val="fae232"/>
-      </a:accent4>
-      <a:accent5>
-        <a:srgbClr val="ff644e"/>
-      </a:accent5>
-      <a:accent6>
-        <a:srgbClr val="ef5fa7"/>
-      </a:accent6>
-      <a:hlink>
-        <a:srgbClr val="0000ff"/>
-      </a:hlink>
-      <a:folHlink>
-        <a:srgbClr val="ff00ff"/>
-      </a:folHlink>
-    </a:clrScheme>
-    <a:fontScheme name="Office">
-      <a:majorFont>
-        <a:latin typeface="Arial" pitchFamily="0" charset="1"/>
-        <a:ea typeface="DejaVu Sans" pitchFamily="0" charset="1"/>
-        <a:cs typeface="DejaVu Sans" pitchFamily="0" charset="1"/>
-      </a:majorFont>
-      <a:minorFont>
-        <a:latin typeface="Arial" pitchFamily="0" charset="1"/>
-        <a:ea typeface="DejaVu Sans" pitchFamily="0" charset="1"/>
-        <a:cs typeface="DejaVu Sans" pitchFamily="0" charset="1"/>
-      </a:minorFont>
-    </a:fontScheme>
-    <a:fmtScheme>
-      <a:fillStyleLst>
-        <a:solidFill>
-          <a:schemeClr val="phClr"/>
-        </a:solidFill>
-        <a:solidFill>
-          <a:schemeClr val="phClr"/>
-        </a:solidFill>
-        <a:solidFill>
-          <a:schemeClr val="phClr"/>
-        </a:solidFill>
-      </a:fillStyleLst>
-      <a:lnStyleLst>
-        <a:ln w="6350" cap="flat" cmpd="sng" algn="ctr">
-          <a:prstDash val="solid"/>
-          <a:miter/>
-        </a:ln>
-        <a:ln w="6350" cap="flat" cmpd="sng" algn="ctr">
-          <a:prstDash val="solid"/>
-          <a:miter/>
-        </a:ln>
-        <a:ln w="6350" cap="flat" cmpd="sng" algn="ctr">
-          <a:prstDash val="solid"/>
-          <a:miter/>
-        </a:ln>
-      </a:lnStyleLst>
-      <a:effectStyleLst>
-        <a:effectStyle>
-          <a:effectLst/>
-        </a:effectStyle>
-        <a:effectStyle>
-          <a:effectLst/>
-        </a:effectStyle>
-        <a:effectStyle>
-          <a:effectLst/>
-        </a:effectStyle>
-      </a:effectStyleLst>
-      <a:bgFillStyleLst>
-        <a:solidFill>
-          <a:schemeClr val="phClr"/>
-        </a:solidFill>
-        <a:solidFill>
-          <a:schemeClr val="phClr"/>
-        </a:solidFill>
-        <a:solidFill>
-          <a:schemeClr val="phClr"/>
-        </a:solidFill>
-      </a:bgFillStyleLst>
-    </a:fmtScheme>
-  </a:themeElements>
-</a:theme>
-</file>
-
-<file path=ppt/theme/theme12.xml><?xml version="1.0" encoding="utf-8"?>
-<a:theme xmlns:a="http://schemas.openxmlformats.org/drawingml/2006/main" xmlns:r="http://schemas.openxmlformats.org/officeDocument/2006/relationships" name="White">
-  <a:themeElements>
-    <a:clrScheme name="White">
-      <a:dk1>
-        <a:srgbClr val="000000"/>
-      </a:dk1>
-      <a:lt1>
-        <a:srgbClr val="ffffff"/>
-      </a:lt1>
-      <a:dk2>
-        <a:srgbClr val="5e5e5e"/>
-      </a:dk2>
-      <a:lt2>
-        <a:srgbClr val="d6d5d5"/>
-      </a:lt2>
-      <a:accent1>
-        <a:srgbClr val="00a2ff"/>
-      </a:accent1>
-      <a:accent2>
-        <a:srgbClr val="16e7cf"/>
-      </a:accent2>
-      <a:accent3>
-        <a:srgbClr val="61d836"/>
-      </a:accent3>
-      <a:accent4>
-        <a:srgbClr val="fae232"/>
-      </a:accent4>
-      <a:accent5>
-        <a:srgbClr val="ff644e"/>
-      </a:accent5>
-      <a:accent6>
-        <a:srgbClr val="ef5fa7"/>
-      </a:accent6>
-      <a:hlink>
-        <a:srgbClr val="0000ff"/>
-      </a:hlink>
-      <a:folHlink>
-        <a:srgbClr val="ff00ff"/>
-      </a:folHlink>
-    </a:clrScheme>
-    <a:fontScheme name="Office">
-      <a:majorFont>
-        <a:latin typeface="Arial" pitchFamily="0" charset="1"/>
-        <a:ea typeface="DejaVu Sans" pitchFamily="0" charset="1"/>
-        <a:cs typeface="DejaVu Sans" pitchFamily="0" charset="1"/>
-      </a:majorFont>
-      <a:minorFont>
-        <a:latin typeface="Arial" pitchFamily="0" charset="1"/>
-        <a:ea typeface="DejaVu Sans" pitchFamily="0" charset="1"/>
-        <a:cs typeface="DejaVu Sans" pitchFamily="0" charset="1"/>
-      </a:minorFont>
-    </a:fontScheme>
-    <a:fmtScheme>
-      <a:fillStyleLst>
-        <a:solidFill>
-          <a:schemeClr val="phClr"/>
-        </a:solidFill>
-        <a:solidFill>
-          <a:schemeClr val="phClr"/>
-        </a:solidFill>
-        <a:solidFill>
-          <a:schemeClr val="phClr"/>
-        </a:solidFill>
-      </a:fillStyleLst>
-      <a:lnStyleLst>
-        <a:ln w="6350" cap="flat" cmpd="sng" algn="ctr">
-          <a:prstDash val="solid"/>
-          <a:miter/>
-        </a:ln>
-        <a:ln w="6350" cap="flat" cmpd="sng" algn="ctr">
-          <a:prstDash val="solid"/>
-          <a:miter/>
-        </a:ln>
-        <a:ln w="6350" cap="flat" cmpd="sng" algn="ctr">
-          <a:prstDash val="solid"/>
-          <a:miter/>
-        </a:ln>
-      </a:lnStyleLst>
-      <a:effectStyleLst>
-        <a:effectStyle>
-          <a:effectLst/>
-        </a:effectStyle>
-        <a:effectStyle>
-          <a:effectLst/>
-        </a:effectStyle>
-        <a:effectStyle>
-          <a:effectLst/>
-        </a:effectStyle>
-      </a:effectStyleLst>
-      <a:bgFillStyleLst>
-        <a:solidFill>
-          <a:schemeClr val="phClr"/>
-        </a:solidFill>
-        <a:solidFill>
-          <a:schemeClr val="phClr"/>
-        </a:solidFill>
-        <a:solidFill>
-          <a:schemeClr val="phClr"/>
-        </a:solidFill>
-      </a:bgFillStyleLst>
-    </a:fmtScheme>
-  </a:themeElements>
-</a:theme>
-</file>
-
-<file path=ppt/theme/theme13.xml><?xml version="1.0" encoding="utf-8"?>
-<a:theme xmlns:a="http://schemas.openxmlformats.org/drawingml/2006/main" xmlns:r="http://schemas.openxmlformats.org/officeDocument/2006/relationships" name="White">
-  <a:themeElements>
-    <a:clrScheme name="White">
-      <a:dk1>
-        <a:srgbClr val="000000"/>
-      </a:dk1>
-      <a:lt1>
-        <a:srgbClr val="ffffff"/>
-      </a:lt1>
-      <a:dk2>
-        <a:srgbClr val="5e5e5e"/>
-      </a:dk2>
-      <a:lt2>
-        <a:srgbClr val="d6d5d5"/>
-      </a:lt2>
-      <a:accent1>
-        <a:srgbClr val="00a2ff"/>
-      </a:accent1>
-      <a:accent2>
-        <a:srgbClr val="16e7cf"/>
-      </a:accent2>
-      <a:accent3>
-        <a:srgbClr val="61d836"/>
-      </a:accent3>
-      <a:accent4>
-        <a:srgbClr val="fae232"/>
-      </a:accent4>
-      <a:accent5>
-        <a:srgbClr val="ff644e"/>
-      </a:accent5>
-      <a:accent6>
-        <a:srgbClr val="ef5fa7"/>
-      </a:accent6>
-      <a:hlink>
-        <a:srgbClr val="0000ff"/>
-      </a:hlink>
-      <a:folHlink>
-        <a:srgbClr val="ff00ff"/>
-      </a:folHlink>
-    </a:clrScheme>
-    <a:fontScheme name="Office">
-      <a:majorFont>
-        <a:latin typeface="Arial" pitchFamily="0" charset="1"/>
-        <a:ea typeface="DejaVu Sans" pitchFamily="0" charset="1"/>
-        <a:cs typeface="DejaVu Sans" pitchFamily="0" charset="1"/>
-      </a:majorFont>
-      <a:minorFont>
-        <a:latin typeface="Arial" pitchFamily="0" charset="1"/>
-        <a:ea typeface="DejaVu Sans" pitchFamily="0" charset="1"/>
-        <a:cs typeface="DejaVu Sans" pitchFamily="0" charset="1"/>
-      </a:minorFont>
-    </a:fontScheme>
-    <a:fmtScheme>
-      <a:fillStyleLst>
-        <a:solidFill>
-          <a:schemeClr val="phClr"/>
-        </a:solidFill>
-        <a:solidFill>
-          <a:schemeClr val="phClr"/>
-        </a:solidFill>
-        <a:solidFill>
-          <a:schemeClr val="phClr"/>
-        </a:solidFill>
-      </a:fillStyleLst>
-      <a:lnStyleLst>
-        <a:ln w="6350" cap="flat" cmpd="sng" algn="ctr">
-          <a:prstDash val="solid"/>
-          <a:miter/>
-        </a:ln>
-        <a:ln w="6350" cap="flat" cmpd="sng" algn="ctr">
-          <a:prstDash val="solid"/>
-          <a:miter/>
-        </a:ln>
-        <a:ln w="6350" cap="flat" cmpd="sng" algn="ctr">
-          <a:prstDash val="solid"/>
-          <a:miter/>
-        </a:ln>
-      </a:lnStyleLst>
-      <a:effectStyleLst>
-        <a:effectStyle>
-          <a:effectLst/>
-        </a:effectStyle>
-        <a:effectStyle>
-          <a:effectLst/>
-        </a:effectStyle>
-        <a:effectStyle>
-          <a:effectLst/>
-        </a:effectStyle>
-      </a:effectStyleLst>
-      <a:bgFillStyleLst>
-        <a:solidFill>
-          <a:schemeClr val="phClr"/>
-        </a:solidFill>
-        <a:solidFill>
-          <a:schemeClr val="phClr"/>
-        </a:solidFill>
-        <a:solidFill>
-          <a:schemeClr val="phClr"/>
-        </a:solidFill>
-      </a:bgFillStyleLst>
-    </a:fmtScheme>
-  </a:themeElements>
-</a:theme>
-</file>
-
-<file path=ppt/theme/theme14.xml><?xml version="1.0" encoding="utf-8"?>
 <a:theme xmlns:a="http://schemas.openxmlformats.org/drawingml/2006/main" xmlns:r="http://schemas.openxmlformats.org/officeDocument/2006/relationships" name="White">
   <a:themeElements>
     <a:clrScheme name="White">
@@ -7825,322 +4528,4 @@
     </a:fmtScheme>
   </a:themeElements>
 </a:theme>
-</file>
-
-<file path=ppt/theme/theme7.xml><?xml version="1.0" encoding="utf-8"?>
-<a:theme xmlns:a="http://schemas.openxmlformats.org/drawingml/2006/main" xmlns:r="http://schemas.openxmlformats.org/officeDocument/2006/relationships" name="White">
-  <a:themeElements>
-    <a:clrScheme name="White">
-      <a:dk1>
-        <a:srgbClr val="000000"/>
-      </a:dk1>
-      <a:lt1>
-        <a:srgbClr val="ffffff"/>
-      </a:lt1>
-      <a:dk2>
-        <a:srgbClr val="5e5e5e"/>
-      </a:dk2>
-      <a:lt2>
-        <a:srgbClr val="d6d5d5"/>
-      </a:lt2>
-      <a:accent1>
-        <a:srgbClr val="00a2ff"/>
-      </a:accent1>
-      <a:accent2>
-        <a:srgbClr val="16e7cf"/>
-      </a:accent2>
-      <a:accent3>
-        <a:srgbClr val="61d836"/>
-      </a:accent3>
-      <a:accent4>
-        <a:srgbClr val="fae232"/>
-      </a:accent4>
-      <a:accent5>
-        <a:srgbClr val="ff644e"/>
-      </a:accent5>
-      <a:accent6>
-        <a:srgbClr val="ef5fa7"/>
-      </a:accent6>
-      <a:hlink>
-        <a:srgbClr val="0000ff"/>
-      </a:hlink>
-      <a:folHlink>
-        <a:srgbClr val="ff00ff"/>
-      </a:folHlink>
-    </a:clrScheme>
-    <a:fontScheme name="Office">
-      <a:majorFont>
-        <a:latin typeface="Arial" pitchFamily="0" charset="1"/>
-        <a:ea typeface="DejaVu Sans" pitchFamily="0" charset="1"/>
-        <a:cs typeface="DejaVu Sans" pitchFamily="0" charset="1"/>
-      </a:majorFont>
-      <a:minorFont>
-        <a:latin typeface="Arial" pitchFamily="0" charset="1"/>
-        <a:ea typeface="DejaVu Sans" pitchFamily="0" charset="1"/>
-        <a:cs typeface="DejaVu Sans" pitchFamily="0" charset="1"/>
-      </a:minorFont>
-    </a:fontScheme>
-    <a:fmtScheme>
-      <a:fillStyleLst>
-        <a:solidFill>
-          <a:schemeClr val="phClr"/>
-        </a:solidFill>
-        <a:solidFill>
-          <a:schemeClr val="phClr"/>
-        </a:solidFill>
-        <a:solidFill>
-          <a:schemeClr val="phClr"/>
-        </a:solidFill>
-      </a:fillStyleLst>
-      <a:lnStyleLst>
-        <a:ln w="6350" cap="flat" cmpd="sng" algn="ctr">
-          <a:prstDash val="solid"/>
-          <a:miter/>
-        </a:ln>
-        <a:ln w="6350" cap="flat" cmpd="sng" algn="ctr">
-          <a:prstDash val="solid"/>
-          <a:miter/>
-        </a:ln>
-        <a:ln w="6350" cap="flat" cmpd="sng" algn="ctr">
-          <a:prstDash val="solid"/>
-          <a:miter/>
-        </a:ln>
-      </a:lnStyleLst>
-      <a:effectStyleLst>
-        <a:effectStyle>
-          <a:effectLst/>
-        </a:effectStyle>
-        <a:effectStyle>
-          <a:effectLst/>
-        </a:effectStyle>
-        <a:effectStyle>
-          <a:effectLst/>
-        </a:effectStyle>
-      </a:effectStyleLst>
-      <a:bgFillStyleLst>
-        <a:solidFill>
-          <a:schemeClr val="phClr"/>
-        </a:solidFill>
-        <a:solidFill>
-          <a:schemeClr val="phClr"/>
-        </a:solidFill>
-        <a:solidFill>
-          <a:schemeClr val="phClr"/>
-        </a:solidFill>
-      </a:bgFillStyleLst>
-    </a:fmtScheme>
-  </a:themeElements>
-</a:theme>
-</file>
-
-<file path=ppt/theme/theme8.xml><?xml version="1.0" encoding="utf-8"?>
-<a:theme xmlns:a="http://schemas.openxmlformats.org/drawingml/2006/main" xmlns:r="http://schemas.openxmlformats.org/officeDocument/2006/relationships" name="White">
-  <a:themeElements>
-    <a:clrScheme name="White">
-      <a:dk1>
-        <a:srgbClr val="000000"/>
-      </a:dk1>
-      <a:lt1>
-        <a:srgbClr val="ffffff"/>
-      </a:lt1>
-      <a:dk2>
-        <a:srgbClr val="5e5e5e"/>
-      </a:dk2>
-      <a:lt2>
-        <a:srgbClr val="d6d5d5"/>
-      </a:lt2>
-      <a:accent1>
-        <a:srgbClr val="00a2ff"/>
-      </a:accent1>
-      <a:accent2>
-        <a:srgbClr val="16e7cf"/>
-      </a:accent2>
-      <a:accent3>
-        <a:srgbClr val="61d836"/>
-      </a:accent3>
-      <a:accent4>
-        <a:srgbClr val="fae232"/>
-      </a:accent4>
-      <a:accent5>
-        <a:srgbClr val="ff644e"/>
-      </a:accent5>
-      <a:accent6>
-        <a:srgbClr val="ef5fa7"/>
-      </a:accent6>
-      <a:hlink>
-        <a:srgbClr val="0000ff"/>
-      </a:hlink>
-      <a:folHlink>
-        <a:srgbClr val="ff00ff"/>
-      </a:folHlink>
-    </a:clrScheme>
-    <a:fontScheme name="Office">
-      <a:majorFont>
-        <a:latin typeface="Arial" pitchFamily="0" charset="1"/>
-        <a:ea typeface="DejaVu Sans" pitchFamily="0" charset="1"/>
-        <a:cs typeface="DejaVu Sans" pitchFamily="0" charset="1"/>
-      </a:majorFont>
-      <a:minorFont>
-        <a:latin typeface="Arial" pitchFamily="0" charset="1"/>
-        <a:ea typeface="DejaVu Sans" pitchFamily="0" charset="1"/>
-        <a:cs typeface="DejaVu Sans" pitchFamily="0" charset="1"/>
-      </a:minorFont>
-    </a:fontScheme>
-    <a:fmtScheme>
-      <a:fillStyleLst>
-        <a:solidFill>
-          <a:schemeClr val="phClr"/>
-        </a:solidFill>
-        <a:solidFill>
-          <a:schemeClr val="phClr"/>
-        </a:solidFill>
-        <a:solidFill>
-          <a:schemeClr val="phClr"/>
-        </a:solidFill>
-      </a:fillStyleLst>
-      <a:lnStyleLst>
-        <a:ln w="6350" cap="flat" cmpd="sng" algn="ctr">
-          <a:prstDash val="solid"/>
-          <a:miter/>
-        </a:ln>
-        <a:ln w="6350" cap="flat" cmpd="sng" algn="ctr">
-          <a:prstDash val="solid"/>
-          <a:miter/>
-        </a:ln>
-        <a:ln w="6350" cap="flat" cmpd="sng" algn="ctr">
-          <a:prstDash val="solid"/>
-          <a:miter/>
-        </a:ln>
-      </a:lnStyleLst>
-      <a:effectStyleLst>
-        <a:effectStyle>
-          <a:effectLst/>
-        </a:effectStyle>
-        <a:effectStyle>
-          <a:effectLst/>
-        </a:effectStyle>
-        <a:effectStyle>
-          <a:effectLst/>
-        </a:effectStyle>
-      </a:effectStyleLst>
-      <a:bgFillStyleLst>
-        <a:solidFill>
-          <a:schemeClr val="phClr"/>
-        </a:solidFill>
-        <a:solidFill>
-          <a:schemeClr val="phClr"/>
-        </a:solidFill>
-        <a:solidFill>
-          <a:schemeClr val="phClr"/>
-        </a:solidFill>
-      </a:bgFillStyleLst>
-    </a:fmtScheme>
-  </a:themeElements>
-</a:theme>
-</file>
-
-<file path=ppt/theme/theme9.xml><?xml version="1.0" encoding="utf-8"?>
-<a:theme xmlns:a="http://schemas.openxmlformats.org/drawingml/2006/main" xmlns:r="http://schemas.openxmlformats.org/officeDocument/2006/relationships" name="White">
-  <a:themeElements>
-    <a:clrScheme name="White">
-      <a:dk1>
-        <a:srgbClr val="000000"/>
-      </a:dk1>
-      <a:lt1>
-        <a:srgbClr val="ffffff"/>
-      </a:lt1>
-      <a:dk2>
-        <a:srgbClr val="5e5e5e"/>
-      </a:dk2>
-      <a:lt2>
-        <a:srgbClr val="d6d5d5"/>
-      </a:lt2>
-      <a:accent1>
-        <a:srgbClr val="00a2ff"/>
-      </a:accent1>
-      <a:accent2>
-        <a:srgbClr val="16e7cf"/>
-      </a:accent2>
-      <a:accent3>
-        <a:srgbClr val="61d836"/>
-      </a:accent3>
-      <a:accent4>
-        <a:srgbClr val="fae232"/>
-      </a:accent4>
-      <a:accent5>
-        <a:srgbClr val="ff644e"/>
-      </a:accent5>
-      <a:accent6>
-        <a:srgbClr val="ef5fa7"/>
-      </a:accent6>
-      <a:hlink>
-        <a:srgbClr val="0000ff"/>
-      </a:hlink>
-      <a:folHlink>
-        <a:srgbClr val="ff00ff"/>
-      </a:folHlink>
-    </a:clrScheme>
-    <a:fontScheme name="Office">
-      <a:majorFont>
-        <a:latin typeface="Arial" pitchFamily="0" charset="1"/>
-        <a:ea typeface="DejaVu Sans" pitchFamily="0" charset="1"/>
-        <a:cs typeface="DejaVu Sans" pitchFamily="0" charset="1"/>
-      </a:majorFont>
-      <a:minorFont>
-        <a:latin typeface="Arial" pitchFamily="0" charset="1"/>
-        <a:ea typeface="DejaVu Sans" pitchFamily="0" charset="1"/>
-        <a:cs typeface="DejaVu Sans" pitchFamily="0" charset="1"/>
-      </a:minorFont>
-    </a:fontScheme>
-    <a:fmtScheme>
-      <a:fillStyleLst>
-        <a:solidFill>
-          <a:schemeClr val="phClr"/>
-        </a:solidFill>
-        <a:solidFill>
-          <a:schemeClr val="phClr"/>
-        </a:solidFill>
-        <a:solidFill>
-          <a:schemeClr val="phClr"/>
-        </a:solidFill>
-      </a:fillStyleLst>
-      <a:lnStyleLst>
-        <a:ln w="6350" cap="flat" cmpd="sng" algn="ctr">
-          <a:prstDash val="solid"/>
-          <a:miter/>
-        </a:ln>
-        <a:ln w="6350" cap="flat" cmpd="sng" algn="ctr">
-          <a:prstDash val="solid"/>
-          <a:miter/>
-        </a:ln>
-        <a:ln w="6350" cap="flat" cmpd="sng" algn="ctr">
-          <a:prstDash val="solid"/>
-          <a:miter/>
-        </a:ln>
-      </a:lnStyleLst>
-      <a:effectStyleLst>
-        <a:effectStyle>
-          <a:effectLst/>
-        </a:effectStyle>
-        <a:effectStyle>
-          <a:effectLst/>
-        </a:effectStyle>
-        <a:effectStyle>
-          <a:effectLst/>
-        </a:effectStyle>
-      </a:effectStyleLst>
-      <a:bgFillStyleLst>
-        <a:solidFill>
-          <a:schemeClr val="phClr"/>
-        </a:solidFill>
-        <a:solidFill>
-          <a:schemeClr val="phClr"/>
-        </a:solidFill>
-        <a:solidFill>
-          <a:schemeClr val="phClr"/>
-        </a:solidFill>
-      </a:bgFillStyleLst>
-    </a:fmtScheme>
-  </a:themeElements>
-</a:theme>
 </file>